--- a/Computerized Adaptive Test System.pptx
+++ b/Computerized Adaptive Test System.pptx
@@ -2,16 +2,22 @@
 <file path=ppt/presentation.xml><?xml version="1.0" encoding="utf-8"?>
 <p:presentation xmlns:a="http://schemas.openxmlformats.org/drawingml/2006/main" xmlns:r="http://schemas.openxmlformats.org/officeDocument/2006/relationships" xmlns:p="http://schemas.openxmlformats.org/presentationml/2006/main" autoCompressPictures="0">
   <p:sldMasterIdLst>
-    <p:sldMasterId id="2147483648" r:id="rId1"/>
+    <p:sldMasterId id="2147483682" r:id="rId1"/>
   </p:sldMasterIdLst>
   <p:sldIdLst>
     <p:sldId id="256" r:id="rId2"/>
     <p:sldId id="257" r:id="rId3"/>
     <p:sldId id="258" r:id="rId4"/>
-    <p:sldId id="261" r:id="rId5"/>
-    <p:sldId id="260" r:id="rId6"/>
+    <p:sldId id="269" r:id="rId5"/>
+    <p:sldId id="261" r:id="rId6"/>
     <p:sldId id="259" r:id="rId7"/>
     <p:sldId id="262" r:id="rId8"/>
+    <p:sldId id="267" r:id="rId9"/>
+    <p:sldId id="268" r:id="rId10"/>
+    <p:sldId id="263" r:id="rId11"/>
+    <p:sldId id="265" r:id="rId12"/>
+    <p:sldId id="266" r:id="rId13"/>
+    <p:sldId id="260" r:id="rId14"/>
   </p:sldIdLst>
   <p:sldSz cx="12192000" cy="6858000"/>
   <p:notesSz cx="6858000" cy="9144000"/>
@@ -305,7 +311,7 @@
           <a:lstStyle/>
           <a:p>
             <a:fld id="{B61BEF0D-F0BB-DE4B-95CE-6DB70DBA9567}" type="datetimeFigureOut">
-              <a:rPr lang="en-US" dirty="0"/>
+              <a:rPr lang="en-US" smtClean="0"/>
               <a:pPr/>
               <a:t>3/11/2020</a:t>
             </a:fld>
@@ -435,7 +441,7 @@
           <a:lstStyle/>
           <a:p>
             <a:fld id="{D57F1E4F-1CFF-5643-939E-217C01CDF565}" type="slidenum">
-              <a:rPr lang="en-US" dirty="0"/>
+              <a:rPr lang="en-US" smtClean="0"/>
               <a:pPr/>
               <a:t>‹#›</a:t>
             </a:fld>
@@ -444,6 +450,11 @@
         </p:txBody>
       </p:sp>
     </p:spTree>
+    <p:extLst>
+      <p:ext uri="{BB962C8B-B14F-4D97-AF65-F5344CB8AC3E}">
+        <p14:creationId xmlns:p14="http://schemas.microsoft.com/office/powerpoint/2010/main" val="3499419121"/>
+      </p:ext>
+    </p:extLst>
   </p:cSld>
   <p:clrMapOvr>
     <a:masterClrMapping/>
@@ -640,7 +651,7 @@
           <a:lstStyle/>
           <a:p>
             <a:fld id="{B61BEF0D-F0BB-DE4B-95CE-6DB70DBA9567}" type="datetimeFigureOut">
-              <a:rPr lang="en-US" dirty="0"/>
+              <a:rPr lang="en-US" smtClean="0"/>
               <a:pPr/>
               <a:t>3/11/2020</a:t>
             </a:fld>
@@ -770,7 +781,7 @@
           <a:lstStyle/>
           <a:p>
             <a:fld id="{D57F1E4F-1CFF-5643-939E-217C01CDF565}" type="slidenum">
-              <a:rPr lang="en-US" dirty="0"/>
+              <a:rPr lang="en-US" smtClean="0"/>
               <a:pPr/>
               <a:t>‹#›</a:t>
             </a:fld>
@@ -779,6 +790,11 @@
         </p:txBody>
       </p:sp>
     </p:spTree>
+    <p:extLst>
+      <p:ext uri="{BB962C8B-B14F-4D97-AF65-F5344CB8AC3E}">
+        <p14:creationId xmlns:p14="http://schemas.microsoft.com/office/powerpoint/2010/main" val="1455809297"/>
+      </p:ext>
+    </p:extLst>
   </p:cSld>
   <p:clrMapOvr>
     <a:masterClrMapping/>
@@ -1038,7 +1054,7 @@
           <a:lstStyle/>
           <a:p>
             <a:fld id="{B61BEF0D-F0BB-DE4B-95CE-6DB70DBA9567}" type="datetimeFigureOut">
-              <a:rPr lang="en-US" dirty="0"/>
+              <a:rPr lang="en-US" smtClean="0"/>
               <a:pPr/>
               <a:t>3/11/2020</a:t>
             </a:fld>
@@ -1168,7 +1184,7 @@
           <a:lstStyle/>
           <a:p>
             <a:fld id="{D57F1E4F-1CFF-5643-939E-217C01CDF565}" type="slidenum">
-              <a:rPr lang="en-US" dirty="0"/>
+              <a:rPr lang="en-US" smtClean="0"/>
               <a:pPr/>
               <a:t>‹#›</a:t>
             </a:fld>
@@ -1253,6 +1269,11 @@
         </p:txBody>
       </p:sp>
     </p:spTree>
+    <p:extLst>
+      <p:ext uri="{BB962C8B-B14F-4D97-AF65-F5344CB8AC3E}">
+        <p14:creationId xmlns:p14="http://schemas.microsoft.com/office/powerpoint/2010/main" val="3324364670"/>
+      </p:ext>
+    </p:extLst>
   </p:cSld>
   <p:clrMapOvr>
     <a:masterClrMapping/>
@@ -1371,7 +1392,7 @@
           <a:lstStyle/>
           <a:p>
             <a:fld id="{B61BEF0D-F0BB-DE4B-95CE-6DB70DBA9567}" type="datetimeFigureOut">
-              <a:rPr lang="en-US" dirty="0"/>
+              <a:rPr lang="en-US" smtClean="0"/>
               <a:pPr/>
               <a:t>3/11/2020</a:t>
             </a:fld>
@@ -1501,7 +1522,7 @@
           <a:lstStyle/>
           <a:p>
             <a:fld id="{D57F1E4F-1CFF-5643-939E-217C01CDF565}" type="slidenum">
-              <a:rPr lang="en-US" dirty="0"/>
+              <a:rPr lang="en-US" smtClean="0"/>
               <a:pPr/>
               <a:t>‹#›</a:t>
             </a:fld>
@@ -1510,6 +1531,11 @@
         </p:txBody>
       </p:sp>
     </p:spTree>
+    <p:extLst>
+      <p:ext uri="{BB962C8B-B14F-4D97-AF65-F5344CB8AC3E}">
+        <p14:creationId xmlns:p14="http://schemas.microsoft.com/office/powerpoint/2010/main" val="2832380470"/>
+      </p:ext>
+    </p:extLst>
   </p:cSld>
   <p:clrMapOvr>
     <a:masterClrMapping/>
@@ -1688,7 +1714,7 @@
           <a:lstStyle/>
           <a:p>
             <a:fld id="{B61BEF0D-F0BB-DE4B-95CE-6DB70DBA9567}" type="datetimeFigureOut">
-              <a:rPr lang="en-US" dirty="0"/>
+              <a:rPr lang="en-US" smtClean="0"/>
               <a:pPr/>
               <a:t>3/11/2020</a:t>
             </a:fld>
@@ -1818,7 +1844,7 @@
           <a:lstStyle/>
           <a:p>
             <a:fld id="{D57F1E4F-1CFF-5643-939E-217C01CDF565}" type="slidenum">
-              <a:rPr lang="en-US" dirty="0"/>
+              <a:rPr lang="en-US" smtClean="0"/>
               <a:pPr/>
               <a:t>‹#›</a:t>
             </a:fld>
@@ -1903,6 +1929,11 @@
         </p:txBody>
       </p:sp>
     </p:spTree>
+    <p:extLst>
+      <p:ext uri="{BB962C8B-B14F-4D97-AF65-F5344CB8AC3E}">
+        <p14:creationId xmlns:p14="http://schemas.microsoft.com/office/powerpoint/2010/main" val="1456236316"/>
+      </p:ext>
+    </p:extLst>
   </p:cSld>
   <p:clrMapOvr>
     <a:masterClrMapping/>
@@ -2081,7 +2112,7 @@
           <a:lstStyle/>
           <a:p>
             <a:fld id="{B61BEF0D-F0BB-DE4B-95CE-6DB70DBA9567}" type="datetimeFigureOut">
-              <a:rPr lang="en-US" dirty="0"/>
+              <a:rPr lang="en-US" smtClean="0"/>
               <a:pPr/>
               <a:t>3/11/2020</a:t>
             </a:fld>
@@ -2211,7 +2242,7 @@
           <a:lstStyle/>
           <a:p>
             <a:fld id="{D57F1E4F-1CFF-5643-939E-217C01CDF565}" type="slidenum">
-              <a:rPr lang="en-US" dirty="0"/>
+              <a:rPr lang="en-US" smtClean="0"/>
               <a:pPr/>
               <a:t>‹#›</a:t>
             </a:fld>
@@ -2220,6 +2251,11 @@
         </p:txBody>
       </p:sp>
     </p:spTree>
+    <p:extLst>
+      <p:ext uri="{BB962C8B-B14F-4D97-AF65-F5344CB8AC3E}">
+        <p14:creationId xmlns:p14="http://schemas.microsoft.com/office/powerpoint/2010/main" val="3099053262"/>
+      </p:ext>
+    </p:extLst>
   </p:cSld>
   <p:clrMapOvr>
     <a:masterClrMapping/>
@@ -2335,7 +2371,7 @@
           <a:lstStyle/>
           <a:p>
             <a:fld id="{B61BEF0D-F0BB-DE4B-95CE-6DB70DBA9567}" type="datetimeFigureOut">
-              <a:rPr lang="en-US" dirty="0"/>
+              <a:rPr lang="en-US" smtClean="0"/>
               <a:pPr/>
               <a:t>3/11/2020</a:t>
             </a:fld>
@@ -2460,7 +2496,7 @@
           <a:lstStyle/>
           <a:p>
             <a:fld id="{D57F1E4F-1CFF-5643-939E-217C01CDF565}" type="slidenum">
-              <a:rPr lang="en-US" dirty="0"/>
+              <a:rPr lang="en-US" smtClean="0"/>
               <a:pPr/>
               <a:t>‹#›</a:t>
             </a:fld>
@@ -2469,6 +2505,11 @@
         </p:txBody>
       </p:sp>
     </p:spTree>
+    <p:extLst>
+      <p:ext uri="{BB962C8B-B14F-4D97-AF65-F5344CB8AC3E}">
+        <p14:creationId xmlns:p14="http://schemas.microsoft.com/office/powerpoint/2010/main" val="2952541065"/>
+      </p:ext>
+    </p:extLst>
   </p:cSld>
   <p:clrMapOvr>
     <a:masterClrMapping/>
@@ -2594,7 +2635,7 @@
           <a:lstStyle/>
           <a:p>
             <a:fld id="{B61BEF0D-F0BB-DE4B-95CE-6DB70DBA9567}" type="datetimeFigureOut">
-              <a:rPr lang="en-US" dirty="0"/>
+              <a:rPr lang="en-US" smtClean="0"/>
               <a:pPr/>
               <a:t>3/11/2020</a:t>
             </a:fld>
@@ -2719,7 +2760,7 @@
           <a:lstStyle/>
           <a:p>
             <a:fld id="{D57F1E4F-1CFF-5643-939E-217C01CDF565}" type="slidenum">
-              <a:rPr lang="en-US" dirty="0"/>
+              <a:rPr lang="en-US" smtClean="0"/>
               <a:pPr/>
               <a:t>‹#›</a:t>
             </a:fld>
@@ -2728,6 +2769,11 @@
         </p:txBody>
       </p:sp>
     </p:spTree>
+    <p:extLst>
+      <p:ext uri="{BB962C8B-B14F-4D97-AF65-F5344CB8AC3E}">
+        <p14:creationId xmlns:p14="http://schemas.microsoft.com/office/powerpoint/2010/main" val="726338941"/>
+      </p:ext>
+    </p:extLst>
   </p:cSld>
   <p:clrMapOvr>
     <a:masterClrMapping/>
@@ -2853,7 +2899,7 @@
           <a:lstStyle/>
           <a:p>
             <a:fld id="{B61BEF0D-F0BB-DE4B-95CE-6DB70DBA9567}" type="datetimeFigureOut">
-              <a:rPr lang="en-US" dirty="0"/>
+              <a:rPr lang="en-US" smtClean="0"/>
               <a:pPr/>
               <a:t>3/11/2020</a:t>
             </a:fld>
@@ -2978,7 +3024,7 @@
           <a:lstStyle/>
           <a:p>
             <a:fld id="{D57F1E4F-1CFF-5643-939E-217C01CDF565}" type="slidenum">
-              <a:rPr lang="en-US" dirty="0"/>
+              <a:rPr lang="en-US" smtClean="0"/>
               <a:pPr/>
               <a:t>‹#›</a:t>
             </a:fld>
@@ -2987,6 +3033,11 @@
         </p:txBody>
       </p:sp>
     </p:spTree>
+    <p:extLst>
+      <p:ext uri="{BB962C8B-B14F-4D97-AF65-F5344CB8AC3E}">
+        <p14:creationId xmlns:p14="http://schemas.microsoft.com/office/powerpoint/2010/main" val="2531067474"/>
+      </p:ext>
+    </p:extLst>
   </p:cSld>
   <p:clrMapOvr>
     <a:masterClrMapping/>
@@ -3179,7 +3230,7 @@
           <a:lstStyle/>
           <a:p>
             <a:fld id="{B61BEF0D-F0BB-DE4B-95CE-6DB70DBA9567}" type="datetimeFigureOut">
-              <a:rPr lang="en-US" dirty="0"/>
+              <a:rPr lang="en-US" smtClean="0"/>
               <a:pPr/>
               <a:t>3/11/2020</a:t>
             </a:fld>
@@ -3309,7 +3360,7 @@
           <a:lstStyle/>
           <a:p>
             <a:fld id="{D57F1E4F-1CFF-5643-939E-217C01CDF565}" type="slidenum">
-              <a:rPr lang="en-US" dirty="0"/>
+              <a:rPr lang="en-US" smtClean="0"/>
               <a:pPr/>
               <a:t>‹#›</a:t>
             </a:fld>
@@ -3318,6 +3369,11 @@
         </p:txBody>
       </p:sp>
     </p:spTree>
+    <p:extLst>
+      <p:ext uri="{BB962C8B-B14F-4D97-AF65-F5344CB8AC3E}">
+        <p14:creationId xmlns:p14="http://schemas.microsoft.com/office/powerpoint/2010/main" val="3732816176"/>
+      </p:ext>
+    </p:extLst>
   </p:cSld>
   <p:clrMapOvr>
     <a:masterClrMapping/>
@@ -3499,7 +3555,7 @@
           <a:lstStyle/>
           <a:p>
             <a:fld id="{B61BEF0D-F0BB-DE4B-95CE-6DB70DBA9567}" type="datetimeFigureOut">
-              <a:rPr lang="en-US" dirty="0"/>
+              <a:rPr lang="en-US" smtClean="0"/>
               <a:pPr/>
               <a:t>3/11/2020</a:t>
             </a:fld>
@@ -3528,7 +3584,7 @@
       </p:sp>
       <p:sp>
         <p:nvSpPr>
-          <p:cNvPr id="10" name="Freeform 11"/>
+          <p:cNvPr id="12" name="Freeform 11"/>
           <p:cNvSpPr/>
           <p:nvPr/>
         </p:nvSpPr>
@@ -3610,7 +3666,7 @@
       </p:sp>
       <p:sp>
         <p:nvSpPr>
-          <p:cNvPr id="11" name="Slide Number Placeholder 5"/>
+          <p:cNvPr id="13" name="Slide Number Placeholder 5"/>
           <p:cNvSpPr>
             <a:spLocks noGrp="1"/>
           </p:cNvSpPr>
@@ -3629,7 +3685,7 @@
           <a:lstStyle/>
           <a:p>
             <a:fld id="{D57F1E4F-1CFF-5643-939E-217C01CDF565}" type="slidenum">
-              <a:rPr lang="en-US" dirty="0"/>
+              <a:rPr lang="en-US" smtClean="0"/>
               <a:pPr/>
               <a:t>‹#›</a:t>
             </a:fld>
@@ -3638,6 +3694,11 @@
         </p:txBody>
       </p:sp>
     </p:spTree>
+    <p:extLst>
+      <p:ext uri="{BB962C8B-B14F-4D97-AF65-F5344CB8AC3E}">
+        <p14:creationId xmlns:p14="http://schemas.microsoft.com/office/powerpoint/2010/main" val="1305600363"/>
+      </p:ext>
+    </p:extLst>
   </p:cSld>
   <p:clrMapOvr>
     <a:masterClrMapping/>
@@ -3953,7 +4014,7 @@
           <a:lstStyle/>
           <a:p>
             <a:fld id="{B61BEF0D-F0BB-DE4B-95CE-6DB70DBA9567}" type="datetimeFigureOut">
-              <a:rPr lang="en-US" dirty="0"/>
+              <a:rPr lang="en-US" smtClean="0"/>
               <a:pPr/>
               <a:t>3/11/2020</a:t>
             </a:fld>
@@ -4083,7 +4144,7 @@
           <a:lstStyle/>
           <a:p>
             <a:fld id="{D57F1E4F-1CFF-5643-939E-217C01CDF565}" type="slidenum">
-              <a:rPr lang="en-US" dirty="0"/>
+              <a:rPr lang="en-US" smtClean="0"/>
               <a:pPr/>
               <a:t>‹#›</a:t>
             </a:fld>
@@ -4092,6 +4153,11 @@
         </p:txBody>
       </p:sp>
     </p:spTree>
+    <p:extLst>
+      <p:ext uri="{BB962C8B-B14F-4D97-AF65-F5344CB8AC3E}">
+        <p14:creationId xmlns:p14="http://schemas.microsoft.com/office/powerpoint/2010/main" val="3984930402"/>
+      </p:ext>
+    </p:extLst>
   </p:cSld>
   <p:clrMapOvr>
     <a:masterClrMapping/>
@@ -4155,7 +4221,7 @@
           <a:lstStyle/>
           <a:p>
             <a:fld id="{B61BEF0D-F0BB-DE4B-95CE-6DB70DBA9567}" type="datetimeFigureOut">
-              <a:rPr lang="en-US" dirty="0"/>
+              <a:rPr lang="en-US" smtClean="0"/>
               <a:pPr/>
               <a:t>3/11/2020</a:t>
             </a:fld>
@@ -4280,7 +4346,7 @@
           <a:lstStyle/>
           <a:p>
             <a:fld id="{D57F1E4F-1CFF-5643-939E-217C01CDF565}" type="slidenum">
-              <a:rPr lang="en-US" dirty="0"/>
+              <a:rPr lang="en-US" smtClean="0"/>
               <a:pPr/>
               <a:t>‹#›</a:t>
             </a:fld>
@@ -4289,6 +4355,11 @@
         </p:txBody>
       </p:sp>
     </p:spTree>
+    <p:extLst>
+      <p:ext uri="{BB962C8B-B14F-4D97-AF65-F5344CB8AC3E}">
+        <p14:creationId xmlns:p14="http://schemas.microsoft.com/office/powerpoint/2010/main" val="1905223955"/>
+      </p:ext>
+    </p:extLst>
   </p:cSld>
   <p:clrMapOvr>
     <a:masterClrMapping/>
@@ -4329,7 +4400,7 @@
           <a:lstStyle/>
           <a:p>
             <a:fld id="{B61BEF0D-F0BB-DE4B-95CE-6DB70DBA9567}" type="datetimeFigureOut">
-              <a:rPr lang="en-US" dirty="0"/>
+              <a:rPr lang="en-US" smtClean="0"/>
               <a:pPr/>
               <a:t>3/11/2020</a:t>
             </a:fld>
@@ -4454,7 +4525,7 @@
           <a:lstStyle/>
           <a:p>
             <a:fld id="{D57F1E4F-1CFF-5643-939E-217C01CDF565}" type="slidenum">
-              <a:rPr lang="en-US" dirty="0"/>
+              <a:rPr lang="en-US" smtClean="0"/>
               <a:pPr/>
               <a:t>‹#›</a:t>
             </a:fld>
@@ -4463,6 +4534,11 @@
         </p:txBody>
       </p:sp>
     </p:spTree>
+    <p:extLst>
+      <p:ext uri="{BB962C8B-B14F-4D97-AF65-F5344CB8AC3E}">
+        <p14:creationId xmlns:p14="http://schemas.microsoft.com/office/powerpoint/2010/main" val="2125838721"/>
+      </p:ext>
+    </p:extLst>
   </p:cSld>
   <p:clrMapOvr>
     <a:masterClrMapping/>
@@ -4659,7 +4735,7 @@
           <a:lstStyle/>
           <a:p>
             <a:fld id="{B61BEF0D-F0BB-DE4B-95CE-6DB70DBA9567}" type="datetimeFigureOut">
-              <a:rPr lang="en-US" dirty="0"/>
+              <a:rPr lang="en-US" smtClean="0"/>
               <a:pPr/>
               <a:t>3/11/2020</a:t>
             </a:fld>
@@ -4784,7 +4860,7 @@
           <a:lstStyle/>
           <a:p>
             <a:fld id="{D57F1E4F-1CFF-5643-939E-217C01CDF565}" type="slidenum">
-              <a:rPr lang="en-US" dirty="0"/>
+              <a:rPr lang="en-US" smtClean="0"/>
               <a:pPr/>
               <a:t>‹#›</a:t>
             </a:fld>
@@ -4793,6 +4869,11 @@
         </p:txBody>
       </p:sp>
     </p:spTree>
+    <p:extLst>
+      <p:ext uri="{BB962C8B-B14F-4D97-AF65-F5344CB8AC3E}">
+        <p14:creationId xmlns:p14="http://schemas.microsoft.com/office/powerpoint/2010/main" val="3836506876"/>
+      </p:ext>
+    </p:extLst>
   </p:cSld>
   <p:clrMapOvr>
     <a:masterClrMapping/>
@@ -5001,7 +5082,7 @@
           <a:lstStyle/>
           <a:p>
             <a:fld id="{B61BEF0D-F0BB-DE4B-95CE-6DB70DBA9567}" type="datetimeFigureOut">
-              <a:rPr lang="en-US" dirty="0"/>
+              <a:rPr lang="en-US" smtClean="0"/>
               <a:pPr/>
               <a:t>3/11/2020</a:t>
             </a:fld>
@@ -5131,7 +5212,7 @@
           <a:lstStyle/>
           <a:p>
             <a:fld id="{D57F1E4F-1CFF-5643-939E-217C01CDF565}" type="slidenum">
-              <a:rPr lang="en-US" dirty="0"/>
+              <a:rPr lang="en-US" smtClean="0"/>
               <a:pPr/>
               <a:t>‹#›</a:t>
             </a:fld>
@@ -5140,6 +5221,11 @@
         </p:txBody>
       </p:sp>
     </p:spTree>
+    <p:extLst>
+      <p:ext uri="{BB962C8B-B14F-4D97-AF65-F5344CB8AC3E}">
+        <p14:creationId xmlns:p14="http://schemas.microsoft.com/office/powerpoint/2010/main" val="3415928411"/>
+      </p:ext>
+    </p:extLst>
   </p:cSld>
   <p:clrMapOvr>
     <a:masterClrMapping/>
@@ -5151,7 +5237,7 @@
 <p:sldMaster xmlns:a="http://schemas.openxmlformats.org/drawingml/2006/main" xmlns:r="http://schemas.openxmlformats.org/officeDocument/2006/relationships" xmlns:p="http://schemas.openxmlformats.org/presentationml/2006/main">
   <p:cSld>
     <p:bg>
-      <p:bgRef idx="1003">
+      <p:bgRef idx="1002">
         <a:schemeClr val="bg2"/>
       </p:bgRef>
     </p:bg>
@@ -6049,10 +6135,10 @@
         </p:nvGrpSpPr>
         <p:grpSpPr>
           <a:xfrm>
-            <a:off x="27221" y="-786"/>
-            <a:ext cx="2356674" cy="6854039"/>
-            <a:chOff x="6627813" y="194833"/>
-            <a:chExt cx="1952625" cy="5678918"/>
+            <a:off x="27221" y="157"/>
+            <a:ext cx="2356674" cy="6853096"/>
+            <a:chOff x="6627813" y="195610"/>
+            <a:chExt cx="1952625" cy="5678141"/>
           </a:xfrm>
         </p:grpSpPr>
         <p:sp>
@@ -6063,7 +6149,7 @@
           </p:nvSpPr>
           <p:spPr bwMode="auto">
             <a:xfrm>
-              <a:off x="6627813" y="194833"/>
+              <a:off x="6627813" y="195610"/>
               <a:ext cx="409575" cy="3646488"/>
             </a:xfrm>
             <a:custGeom>
@@ -7115,7 +7201,7 @@
           </a:lstStyle>
           <a:p>
             <a:fld id="{B61BEF0D-F0BB-DE4B-95CE-6DB70DBA9567}" type="datetimeFigureOut">
-              <a:rPr lang="en-US" dirty="0"/>
+              <a:rPr lang="en-US" smtClean="0"/>
               <a:pPr/>
               <a:t>3/11/2020</a:t>
             </a:fld>
@@ -7192,7 +7278,7 @@
           </a:lstStyle>
           <a:p>
             <a:fld id="{D57F1E4F-1CFF-5643-939E-217C01CDF565}" type="slidenum">
-              <a:rPr lang="en-US" dirty="0"/>
+              <a:rPr lang="en-US" smtClean="0"/>
               <a:pPr/>
               <a:t>‹#›</a:t>
             </a:fld>
@@ -7201,25 +7287,30 @@
         </p:txBody>
       </p:sp>
     </p:spTree>
+    <p:extLst>
+      <p:ext uri="{BB962C8B-B14F-4D97-AF65-F5344CB8AC3E}">
+        <p14:creationId xmlns:p14="http://schemas.microsoft.com/office/powerpoint/2010/main" val="1987270213"/>
+      </p:ext>
+    </p:extLst>
   </p:cSld>
   <p:clrMap bg1="lt1" tx1="dk1" bg2="lt2" tx2="dk2" accent1="accent1" accent2="accent2" accent3="accent3" accent4="accent4" accent5="accent5" accent6="accent6" hlink="hlink" folHlink="folHlink"/>
   <p:sldLayoutIdLst>
-    <p:sldLayoutId id="2147483649" r:id="rId1"/>
-    <p:sldLayoutId id="2147483650" r:id="rId2"/>
-    <p:sldLayoutId id="2147483651" r:id="rId3"/>
-    <p:sldLayoutId id="2147483652" r:id="rId4"/>
-    <p:sldLayoutId id="2147483653" r:id="rId5"/>
-    <p:sldLayoutId id="2147483654" r:id="rId6"/>
-    <p:sldLayoutId id="2147483655" r:id="rId7"/>
-    <p:sldLayoutId id="2147483656" r:id="rId8"/>
-    <p:sldLayoutId id="2147483657" r:id="rId9"/>
-    <p:sldLayoutId id="2147483660" r:id="rId10"/>
-    <p:sldLayoutId id="2147483661" r:id="rId11"/>
-    <p:sldLayoutId id="2147483662" r:id="rId12"/>
-    <p:sldLayoutId id="2147483663" r:id="rId13"/>
-    <p:sldLayoutId id="2147483664" r:id="rId14"/>
-    <p:sldLayoutId id="2147483658" r:id="rId15"/>
-    <p:sldLayoutId id="2147483659" r:id="rId16"/>
+    <p:sldLayoutId id="2147483683" r:id="rId1"/>
+    <p:sldLayoutId id="2147483684" r:id="rId2"/>
+    <p:sldLayoutId id="2147483685" r:id="rId3"/>
+    <p:sldLayoutId id="2147483686" r:id="rId4"/>
+    <p:sldLayoutId id="2147483687" r:id="rId5"/>
+    <p:sldLayoutId id="2147483688" r:id="rId6"/>
+    <p:sldLayoutId id="2147483689" r:id="rId7"/>
+    <p:sldLayoutId id="2147483690" r:id="rId8"/>
+    <p:sldLayoutId id="2147483691" r:id="rId9"/>
+    <p:sldLayoutId id="2147483692" r:id="rId10"/>
+    <p:sldLayoutId id="2147483693" r:id="rId11"/>
+    <p:sldLayoutId id="2147483694" r:id="rId12"/>
+    <p:sldLayoutId id="2147483695" r:id="rId13"/>
+    <p:sldLayoutId id="2147483696" r:id="rId14"/>
+    <p:sldLayoutId id="2147483697" r:id="rId15"/>
+    <p:sldLayoutId id="2147483698" r:id="rId16"/>
   </p:sldLayoutIdLst>
   <p:txStyles>
     <p:titleStyle>
@@ -7230,9 +7321,8 @@
         <a:buNone/>
         <a:defRPr sz="3600" kern="1200">
           <a:solidFill>
-            <a:schemeClr val="tx1">
-              <a:lumMod val="85000"/>
-              <a:lumOff val="15000"/>
+            <a:schemeClr val="accent2">
+              <a:lumMod val="75000"/>
             </a:schemeClr>
           </a:solidFill>
           <a:latin typeface="+mj-lt"/>
@@ -7786,6 +7876,621 @@
 </p:sld>
 </file>
 
+<file path=ppt/slides/slide10.xml><?xml version="1.0" encoding="utf-8"?>
+<p:sld xmlns:a="http://schemas.openxmlformats.org/drawingml/2006/main" xmlns:r="http://schemas.openxmlformats.org/officeDocument/2006/relationships" xmlns:p="http://schemas.openxmlformats.org/presentationml/2006/main">
+  <p:cSld>
+    <p:spTree>
+      <p:nvGrpSpPr>
+        <p:cNvPr id="1" name=""/>
+        <p:cNvGrpSpPr/>
+        <p:nvPr/>
+      </p:nvGrpSpPr>
+      <p:grpSpPr>
+        <a:xfrm>
+          <a:off x="0" y="0"/>
+          <a:ext cx="0" cy="0"/>
+          <a:chOff x="0" y="0"/>
+          <a:chExt cx="0" cy="0"/>
+        </a:xfrm>
+      </p:grpSpPr>
+      <p:sp>
+        <p:nvSpPr>
+          <p:cNvPr id="6" name="TextBox 5"/>
+          <p:cNvSpPr txBox="1"/>
+          <p:nvPr/>
+        </p:nvSpPr>
+        <p:spPr>
+          <a:xfrm>
+            <a:off x="2575775" y="2073499"/>
+            <a:ext cx="9118242" cy="2554545"/>
+          </a:xfrm>
+          <a:prstGeom prst="rect">
+            <a:avLst/>
+          </a:prstGeom>
+          <a:noFill/>
+        </p:spPr>
+        <p:txBody>
+          <a:bodyPr wrap="square" rtlCol="0">
+            <a:spAutoFit/>
+          </a:bodyPr>
+          <a:lstStyle/>
+          <a:p>
+            <a:pPr algn="ctr"/>
+            <a:r>
+              <a:rPr lang="en-US" sz="3200" dirty="0" smtClean="0">
+                <a:solidFill>
+                  <a:schemeClr val="accent2"/>
+                </a:solidFill>
+                <a:latin typeface="Times New Roman" panose="02020603050405020304" pitchFamily="18" charset="0"/>
+                <a:cs typeface="Times New Roman" panose="02020603050405020304" pitchFamily="18" charset="0"/>
+              </a:rPr>
+              <a:t>References</a:t>
+            </a:r>
+          </a:p>
+          <a:p>
+            <a:pPr algn="ctr"/>
+            <a:endParaRPr lang="en-US" sz="3200" dirty="0">
+              <a:solidFill>
+                <a:schemeClr val="accent2"/>
+              </a:solidFill>
+              <a:latin typeface="Times New Roman" panose="02020603050405020304" pitchFamily="18" charset="0"/>
+              <a:cs typeface="Times New Roman" panose="02020603050405020304" pitchFamily="18" charset="0"/>
+            </a:endParaRPr>
+          </a:p>
+          <a:p>
+            <a:endParaRPr lang="en-US" sz="2400" dirty="0" smtClean="0">
+              <a:solidFill>
+                <a:schemeClr val="accent2"/>
+              </a:solidFill>
+              <a:latin typeface="Times New Roman" panose="02020603050405020304" pitchFamily="18" charset="0"/>
+              <a:cs typeface="Times New Roman" panose="02020603050405020304" pitchFamily="18" charset="0"/>
+            </a:endParaRPr>
+          </a:p>
+          <a:p>
+            <a:pPr marL="457200" indent="-457200">
+              <a:buAutoNum type="arabicPeriod"/>
+            </a:pPr>
+            <a:r>
+              <a:rPr lang="en-US" sz="2400" dirty="0" smtClean="0">
+                <a:solidFill>
+                  <a:schemeClr val="accent2"/>
+                </a:solidFill>
+                <a:latin typeface="Times New Roman" panose="02020603050405020304" pitchFamily="18" charset="0"/>
+                <a:cs typeface="Times New Roman" panose="02020603050405020304" pitchFamily="18" charset="0"/>
+                <a:hlinkClick r:id="rId2"/>
+              </a:rPr>
+              <a:t>https</a:t>
+            </a:r>
+            <a:r>
+              <a:rPr lang="en-US" sz="2400" dirty="0">
+                <a:solidFill>
+                  <a:schemeClr val="accent2"/>
+                </a:solidFill>
+                <a:latin typeface="Times New Roman" panose="02020603050405020304" pitchFamily="18" charset="0"/>
+                <a:cs typeface="Times New Roman" panose="02020603050405020304" pitchFamily="18" charset="0"/>
+                <a:hlinkClick r:id="rId2"/>
+              </a:rPr>
+              <a:t>://</a:t>
+            </a:r>
+            <a:r>
+              <a:rPr lang="en-US" sz="2400" dirty="0" smtClean="0">
+                <a:solidFill>
+                  <a:schemeClr val="accent2"/>
+                </a:solidFill>
+                <a:latin typeface="Times New Roman" panose="02020603050405020304" pitchFamily="18" charset="0"/>
+                <a:cs typeface="Times New Roman" panose="02020603050405020304" pitchFamily="18" charset="0"/>
+                <a:hlinkClick r:id="rId2"/>
+              </a:rPr>
+              <a:t>en.wikipedia.org/wiki/Computerized_adaptive_testing</a:t>
+            </a:r>
+            <a:endParaRPr lang="en-US" sz="2400" dirty="0" smtClean="0">
+              <a:solidFill>
+                <a:schemeClr val="accent2"/>
+              </a:solidFill>
+              <a:latin typeface="Times New Roman" panose="02020603050405020304" pitchFamily="18" charset="0"/>
+              <a:cs typeface="Times New Roman" panose="02020603050405020304" pitchFamily="18" charset="0"/>
+            </a:endParaRPr>
+          </a:p>
+          <a:p>
+            <a:pPr marL="457200" indent="-457200">
+              <a:buAutoNum type="arabicPeriod"/>
+            </a:pPr>
+            <a:r>
+              <a:rPr lang="en-US" sz="2400" dirty="0">
+                <a:solidFill>
+                  <a:schemeClr val="accent2"/>
+                </a:solidFill>
+                <a:latin typeface="Times New Roman" panose="02020603050405020304" pitchFamily="18" charset="0"/>
+                <a:cs typeface="Times New Roman" panose="02020603050405020304" pitchFamily="18" charset="0"/>
+                <a:hlinkClick r:id="rId3"/>
+              </a:rPr>
+              <a:t>https://</a:t>
+            </a:r>
+            <a:r>
+              <a:rPr lang="en-US" sz="2400" dirty="0" smtClean="0">
+                <a:solidFill>
+                  <a:schemeClr val="accent2"/>
+                </a:solidFill>
+                <a:latin typeface="Times New Roman" panose="02020603050405020304" pitchFamily="18" charset="0"/>
+                <a:cs typeface="Times New Roman" panose="02020603050405020304" pitchFamily="18" charset="0"/>
+                <a:hlinkClick r:id="rId3"/>
+              </a:rPr>
+              <a:t>www.rasch.org/rmt/rmt213d.htm</a:t>
+            </a:r>
+            <a:endParaRPr lang="en-US" sz="2400" dirty="0" smtClean="0">
+              <a:solidFill>
+                <a:schemeClr val="accent2"/>
+              </a:solidFill>
+              <a:latin typeface="Times New Roman" panose="02020603050405020304" pitchFamily="18" charset="0"/>
+              <a:cs typeface="Times New Roman" panose="02020603050405020304" pitchFamily="18" charset="0"/>
+            </a:endParaRPr>
+          </a:p>
+          <a:p>
+            <a:pPr marL="457200" indent="-457200">
+              <a:buAutoNum type="arabicPeriod"/>
+            </a:pPr>
+            <a:r>
+              <a:rPr lang="en-US" sz="2400" dirty="0">
+                <a:solidFill>
+                  <a:schemeClr val="accent2"/>
+                </a:solidFill>
+                <a:latin typeface="Times New Roman" panose="02020603050405020304" pitchFamily="18" charset="0"/>
+                <a:cs typeface="Times New Roman" panose="02020603050405020304" pitchFamily="18" charset="0"/>
+              </a:rPr>
+              <a:t>https://en.wikipedia.org/wiki/Monte_Carlo_method</a:t>
+            </a:r>
+          </a:p>
+        </p:txBody>
+      </p:sp>
+    </p:spTree>
+    <p:extLst>
+      <p:ext uri="{BB962C8B-B14F-4D97-AF65-F5344CB8AC3E}">
+        <p14:creationId xmlns:p14="http://schemas.microsoft.com/office/powerpoint/2010/main" val="1507916417"/>
+      </p:ext>
+    </p:extLst>
+  </p:cSld>
+  <p:clrMapOvr>
+    <a:masterClrMapping/>
+  </p:clrMapOvr>
+  <p:timing>
+    <p:tnLst>
+      <p:par>
+        <p:cTn id="1" dur="indefinite" restart="never" nodeType="tmRoot"/>
+      </p:par>
+    </p:tnLst>
+  </p:timing>
+</p:sld>
+</file>
+
+<file path=ppt/slides/slide11.xml><?xml version="1.0" encoding="utf-8"?>
+<p:sld xmlns:a="http://schemas.openxmlformats.org/drawingml/2006/main" xmlns:r="http://schemas.openxmlformats.org/officeDocument/2006/relationships" xmlns:p="http://schemas.openxmlformats.org/presentationml/2006/main">
+  <p:cSld>
+    <p:spTree>
+      <p:nvGrpSpPr>
+        <p:cNvPr id="1" name=""/>
+        <p:cNvGrpSpPr/>
+        <p:nvPr/>
+      </p:nvGrpSpPr>
+      <p:grpSpPr>
+        <a:xfrm>
+          <a:off x="0" y="0"/>
+          <a:ext cx="0" cy="0"/>
+          <a:chOff x="0" y="0"/>
+          <a:chExt cx="0" cy="0"/>
+        </a:xfrm>
+      </p:grpSpPr>
+      <p:pic>
+        <p:nvPicPr>
+          <p:cNvPr id="5" name="Picture 4"/>
+          <p:cNvPicPr>
+            <a:picLocks noChangeAspect="1"/>
+          </p:cNvPicPr>
+          <p:nvPr/>
+        </p:nvPicPr>
+        <p:blipFill>
+          <a:blip r:embed="rId2">
+            <a:extLst>
+              <a:ext uri="{28A0092B-C50C-407E-A947-70E740481C1C}">
+                <a14:useLocalDpi xmlns:a14="http://schemas.microsoft.com/office/drawing/2010/main" val="0"/>
+              </a:ext>
+            </a:extLst>
+          </a:blip>
+          <a:stretch>
+            <a:fillRect/>
+          </a:stretch>
+        </p:blipFill>
+        <p:spPr>
+          <a:xfrm>
+            <a:off x="2434108" y="1712525"/>
+            <a:ext cx="7232108" cy="4075124"/>
+          </a:xfrm>
+          <a:prstGeom prst="rect">
+            <a:avLst/>
+          </a:prstGeom>
+        </p:spPr>
+      </p:pic>
+    </p:spTree>
+    <p:extLst>
+      <p:ext uri="{BB962C8B-B14F-4D97-AF65-F5344CB8AC3E}">
+        <p14:creationId xmlns:p14="http://schemas.microsoft.com/office/powerpoint/2010/main" val="499738705"/>
+      </p:ext>
+    </p:extLst>
+  </p:cSld>
+  <p:clrMapOvr>
+    <a:masterClrMapping/>
+  </p:clrMapOvr>
+  <p:timing>
+    <p:tnLst>
+      <p:par>
+        <p:cTn id="1" dur="indefinite" restart="never" nodeType="tmRoot"/>
+      </p:par>
+    </p:tnLst>
+  </p:timing>
+</p:sld>
+</file>
+
+<file path=ppt/slides/slide12.xml><?xml version="1.0" encoding="utf-8"?>
+<p:sld xmlns:a="http://schemas.openxmlformats.org/drawingml/2006/main" xmlns:r="http://schemas.openxmlformats.org/officeDocument/2006/relationships" xmlns:p="http://schemas.openxmlformats.org/presentationml/2006/main">
+  <p:cSld>
+    <p:spTree>
+      <p:nvGrpSpPr>
+        <p:cNvPr id="1" name=""/>
+        <p:cNvGrpSpPr/>
+        <p:nvPr/>
+      </p:nvGrpSpPr>
+      <p:grpSpPr>
+        <a:xfrm>
+          <a:off x="0" y="0"/>
+          <a:ext cx="0" cy="0"/>
+          <a:chOff x="0" y="0"/>
+          <a:chExt cx="0" cy="0"/>
+        </a:xfrm>
+      </p:grpSpPr>
+      <p:pic>
+        <p:nvPicPr>
+          <p:cNvPr id="4" name="Picture 3"/>
+          <p:cNvPicPr>
+            <a:picLocks noChangeAspect="1"/>
+          </p:cNvPicPr>
+          <p:nvPr/>
+        </p:nvPicPr>
+        <p:blipFill>
+          <a:blip r:embed="rId2">
+            <a:extLst>
+              <a:ext uri="{28A0092B-C50C-407E-A947-70E740481C1C}">
+                <a14:useLocalDpi xmlns:a14="http://schemas.microsoft.com/office/drawing/2010/main" val="0"/>
+              </a:ext>
+            </a:extLst>
+          </a:blip>
+          <a:stretch>
+            <a:fillRect/>
+          </a:stretch>
+        </p:blipFill>
+        <p:spPr>
+          <a:xfrm>
+            <a:off x="2987899" y="1325450"/>
+            <a:ext cx="6439435" cy="4175343"/>
+          </a:xfrm>
+          <a:prstGeom prst="rect">
+            <a:avLst/>
+          </a:prstGeom>
+        </p:spPr>
+      </p:pic>
+    </p:spTree>
+    <p:extLst>
+      <p:ext uri="{BB962C8B-B14F-4D97-AF65-F5344CB8AC3E}">
+        <p14:creationId xmlns:p14="http://schemas.microsoft.com/office/powerpoint/2010/main" val="2462260087"/>
+      </p:ext>
+    </p:extLst>
+  </p:cSld>
+  <p:clrMapOvr>
+    <a:masterClrMapping/>
+  </p:clrMapOvr>
+  <p:timing>
+    <p:tnLst>
+      <p:par>
+        <p:cTn id="1" dur="indefinite" restart="never" nodeType="tmRoot"/>
+      </p:par>
+    </p:tnLst>
+  </p:timing>
+</p:sld>
+</file>
+
+<file path=ppt/slides/slide13.xml><?xml version="1.0" encoding="utf-8"?>
+<p:sld xmlns:a="http://schemas.openxmlformats.org/drawingml/2006/main" xmlns:r="http://schemas.openxmlformats.org/officeDocument/2006/relationships" xmlns:p="http://schemas.openxmlformats.org/presentationml/2006/main">
+  <p:cSld>
+    <p:spTree>
+      <p:nvGrpSpPr>
+        <p:cNvPr id="1" name=""/>
+        <p:cNvGrpSpPr/>
+        <p:nvPr/>
+      </p:nvGrpSpPr>
+      <p:grpSpPr>
+        <a:xfrm>
+          <a:off x="0" y="0"/>
+          <a:ext cx="0" cy="0"/>
+          <a:chOff x="0" y="0"/>
+          <a:chExt cx="0" cy="0"/>
+        </a:xfrm>
+      </p:grpSpPr>
+      <p:sp>
+        <p:nvSpPr>
+          <p:cNvPr id="5" name="TextBox 4"/>
+          <p:cNvSpPr txBox="1"/>
+          <p:nvPr/>
+        </p:nvSpPr>
+        <p:spPr>
+          <a:xfrm>
+            <a:off x="2408349" y="386366"/>
+            <a:ext cx="6452316" cy="584775"/>
+          </a:xfrm>
+          <a:prstGeom prst="rect">
+            <a:avLst/>
+          </a:prstGeom>
+          <a:noFill/>
+        </p:spPr>
+        <p:txBody>
+          <a:bodyPr wrap="square" rtlCol="0">
+            <a:spAutoFit/>
+          </a:bodyPr>
+          <a:lstStyle/>
+          <a:p>
+            <a:pPr algn="ctr"/>
+            <a:r>
+              <a:rPr lang="en-US" sz="3200" u="sng" dirty="0" err="1" smtClean="0">
+                <a:solidFill>
+                  <a:srgbClr val="00B0F0"/>
+                </a:solidFill>
+                <a:latin typeface="Times New Roman" panose="02020603050405020304" pitchFamily="18" charset="0"/>
+                <a:cs typeface="Times New Roman" panose="02020603050405020304" pitchFamily="18" charset="0"/>
+              </a:rPr>
+              <a:t>Inroduction</a:t>
+            </a:r>
+            <a:r>
+              <a:rPr lang="en-US" sz="3200" u="sng" dirty="0" smtClean="0">
+                <a:solidFill>
+                  <a:srgbClr val="00B0F0"/>
+                </a:solidFill>
+                <a:latin typeface="Times New Roman" panose="02020603050405020304" pitchFamily="18" charset="0"/>
+                <a:cs typeface="Times New Roman" panose="02020603050405020304" pitchFamily="18" charset="0"/>
+              </a:rPr>
+              <a:t> of the Project</a:t>
+            </a:r>
+            <a:endParaRPr lang="en-US" sz="3200" u="sng" dirty="0">
+              <a:solidFill>
+                <a:srgbClr val="00B0F0"/>
+              </a:solidFill>
+              <a:latin typeface="Times New Roman" panose="02020603050405020304" pitchFamily="18" charset="0"/>
+              <a:cs typeface="Times New Roman" panose="02020603050405020304" pitchFamily="18" charset="0"/>
+            </a:endParaRPr>
+          </a:p>
+        </p:txBody>
+      </p:sp>
+      <p:sp>
+        <p:nvSpPr>
+          <p:cNvPr id="2" name="TextBox 1"/>
+          <p:cNvSpPr txBox="1"/>
+          <p:nvPr/>
+        </p:nvSpPr>
+        <p:spPr>
+          <a:xfrm>
+            <a:off x="2640168" y="2034862"/>
+            <a:ext cx="8397025" cy="3416320"/>
+          </a:xfrm>
+          <a:prstGeom prst="rect">
+            <a:avLst/>
+          </a:prstGeom>
+          <a:noFill/>
+        </p:spPr>
+        <p:txBody>
+          <a:bodyPr wrap="square" rtlCol="0">
+            <a:spAutoFit/>
+          </a:bodyPr>
+          <a:lstStyle/>
+          <a:p>
+            <a:r>
+              <a:rPr lang="en-US" sz="2400" dirty="0" smtClean="0">
+                <a:latin typeface="Times New Roman" panose="02020603050405020304" pitchFamily="18" charset="0"/>
+                <a:cs typeface="Times New Roman" panose="02020603050405020304" pitchFamily="18" charset="0"/>
+              </a:rPr>
+              <a:t>1. The </a:t>
+            </a:r>
+            <a:r>
+              <a:rPr lang="en-US" sz="2400" dirty="0">
+                <a:latin typeface="Times New Roman" panose="02020603050405020304" pitchFamily="18" charset="0"/>
+                <a:cs typeface="Times New Roman" panose="02020603050405020304" pitchFamily="18" charset="0"/>
+              </a:rPr>
+              <a:t>program will consist </a:t>
+            </a:r>
+            <a:r>
+              <a:rPr lang="en-US" sz="2400" dirty="0" smtClean="0">
+                <a:latin typeface="Times New Roman" panose="02020603050405020304" pitchFamily="18" charset="0"/>
+                <a:cs typeface="Times New Roman" panose="02020603050405020304" pitchFamily="18" charset="0"/>
+              </a:rPr>
+              <a:t>some </a:t>
+            </a:r>
+            <a:r>
+              <a:rPr lang="en-US" sz="2400" dirty="0">
+                <a:latin typeface="Times New Roman" panose="02020603050405020304" pitchFamily="18" charset="0"/>
+                <a:cs typeface="Times New Roman" panose="02020603050405020304" pitchFamily="18" charset="0"/>
+              </a:rPr>
+              <a:t>specific set of questions on one topic or various topics. </a:t>
+            </a:r>
+            <a:endParaRPr lang="en-US" sz="2400" dirty="0" smtClean="0">
+              <a:latin typeface="Times New Roman" panose="02020603050405020304" pitchFamily="18" charset="0"/>
+              <a:cs typeface="Times New Roman" panose="02020603050405020304" pitchFamily="18" charset="0"/>
+            </a:endParaRPr>
+          </a:p>
+          <a:p>
+            <a:endParaRPr lang="en-US" sz="2400" dirty="0">
+              <a:latin typeface="Times New Roman" panose="02020603050405020304" pitchFamily="18" charset="0"/>
+              <a:cs typeface="Times New Roman" panose="02020603050405020304" pitchFamily="18" charset="0"/>
+            </a:endParaRPr>
+          </a:p>
+          <a:p>
+            <a:r>
+              <a:rPr lang="en-US" sz="2400" dirty="0" smtClean="0">
+                <a:latin typeface="Times New Roman" panose="02020603050405020304" pitchFamily="18" charset="0"/>
+                <a:cs typeface="Times New Roman" panose="02020603050405020304" pitchFamily="18" charset="0"/>
+              </a:rPr>
+              <a:t>2. By evaluating students ability , question set will be changed.</a:t>
+            </a:r>
+          </a:p>
+          <a:p>
+            <a:endParaRPr lang="en-US" sz="2400" dirty="0">
+              <a:latin typeface="Times New Roman" panose="02020603050405020304" pitchFamily="18" charset="0"/>
+              <a:cs typeface="Times New Roman" panose="02020603050405020304" pitchFamily="18" charset="0"/>
+            </a:endParaRPr>
+          </a:p>
+          <a:p>
+            <a:r>
+              <a:rPr lang="en-US" sz="2400" dirty="0" smtClean="0">
+                <a:latin typeface="Times New Roman" panose="02020603050405020304" pitchFamily="18" charset="0"/>
+                <a:cs typeface="Times New Roman" panose="02020603050405020304" pitchFamily="18" charset="0"/>
+              </a:rPr>
+              <a:t>3. The </a:t>
+            </a:r>
+            <a:r>
+              <a:rPr lang="en-US" sz="2400" dirty="0" smtClean="0">
+                <a:latin typeface="Times New Roman" panose="02020603050405020304" pitchFamily="18" charset="0"/>
+                <a:cs typeface="Times New Roman" panose="02020603050405020304" pitchFamily="18" charset="0"/>
+              </a:rPr>
+              <a:t>project will </a:t>
+            </a:r>
+            <a:r>
+              <a:rPr lang="en-US" sz="2400" dirty="0" smtClean="0">
+                <a:latin typeface="Times New Roman" panose="02020603050405020304" pitchFamily="18" charset="0"/>
+                <a:cs typeface="Times New Roman" panose="02020603050405020304" pitchFamily="18" charset="0"/>
+              </a:rPr>
+              <a:t>be implemented using </a:t>
+            </a:r>
+            <a:r>
+              <a:rPr lang="en-US" sz="2400" b="1" dirty="0" err="1" smtClean="0">
+                <a:solidFill>
+                  <a:srgbClr val="00B050"/>
+                </a:solidFill>
+                <a:latin typeface="Times New Roman" panose="02020603050405020304" pitchFamily="18" charset="0"/>
+                <a:cs typeface="Times New Roman" panose="02020603050405020304" pitchFamily="18" charset="0"/>
+              </a:rPr>
+              <a:t>Rasch</a:t>
+            </a:r>
+            <a:r>
+              <a:rPr lang="en-US" sz="2400" b="1" dirty="0" smtClean="0">
+                <a:solidFill>
+                  <a:srgbClr val="00B050"/>
+                </a:solidFill>
+                <a:latin typeface="Times New Roman" panose="02020603050405020304" pitchFamily="18" charset="0"/>
+                <a:cs typeface="Times New Roman" panose="02020603050405020304" pitchFamily="18" charset="0"/>
+              </a:rPr>
+              <a:t> </a:t>
+            </a:r>
+            <a:r>
+              <a:rPr lang="en-US" sz="2400" b="1" dirty="0">
+                <a:solidFill>
+                  <a:srgbClr val="00B050"/>
+                </a:solidFill>
+                <a:latin typeface="Times New Roman" panose="02020603050405020304" pitchFamily="18" charset="0"/>
+                <a:cs typeface="Times New Roman" panose="02020603050405020304" pitchFamily="18" charset="0"/>
+              </a:rPr>
+              <a:t>Algorithm</a:t>
+            </a:r>
+            <a:r>
+              <a:rPr lang="en-US" sz="2400" dirty="0">
+                <a:latin typeface="Times New Roman" panose="02020603050405020304" pitchFamily="18" charset="0"/>
+                <a:cs typeface="Times New Roman" panose="02020603050405020304" pitchFamily="18" charset="0"/>
+              </a:rPr>
+              <a:t> </a:t>
+            </a:r>
+            <a:r>
+              <a:rPr lang="en-US" sz="2400" dirty="0" smtClean="0">
+                <a:latin typeface="Times New Roman" panose="02020603050405020304" pitchFamily="18" charset="0"/>
+                <a:cs typeface="Times New Roman" panose="02020603050405020304" pitchFamily="18" charset="0"/>
+              </a:rPr>
+              <a:t>and </a:t>
+            </a:r>
+            <a:r>
+              <a:rPr lang="en-US" sz="2400" dirty="0">
+                <a:solidFill>
+                  <a:srgbClr val="00B050"/>
+                </a:solidFill>
+                <a:latin typeface="Times New Roman" panose="02020603050405020304" pitchFamily="18" charset="0"/>
+                <a:cs typeface="Times New Roman" panose="02020603050405020304" pitchFamily="18" charset="0"/>
+              </a:rPr>
+              <a:t>Monte Carlo </a:t>
+            </a:r>
+            <a:r>
+              <a:rPr lang="en-US" sz="2400" dirty="0" smtClean="0">
+                <a:solidFill>
+                  <a:srgbClr val="00B050"/>
+                </a:solidFill>
+                <a:latin typeface="Times New Roman" panose="02020603050405020304" pitchFamily="18" charset="0"/>
+                <a:cs typeface="Times New Roman" panose="02020603050405020304" pitchFamily="18" charset="0"/>
+              </a:rPr>
+              <a:t>Algorithm</a:t>
+            </a:r>
+            <a:r>
+              <a:rPr lang="en-US" sz="2400" dirty="0" smtClean="0">
+                <a:latin typeface="Times New Roman" panose="02020603050405020304" pitchFamily="18" charset="0"/>
+                <a:cs typeface="Times New Roman" panose="02020603050405020304" pitchFamily="18" charset="0"/>
+              </a:rPr>
+              <a:t>.</a:t>
+            </a:r>
+            <a:endParaRPr lang="en-US" sz="2400" dirty="0" smtClean="0">
+              <a:latin typeface="Times New Roman" panose="02020603050405020304" pitchFamily="18" charset="0"/>
+              <a:cs typeface="Times New Roman" panose="02020603050405020304" pitchFamily="18" charset="0"/>
+            </a:endParaRPr>
+          </a:p>
+          <a:p>
+            <a:endParaRPr lang="en-US" sz="2400" dirty="0">
+              <a:latin typeface="Times New Roman" panose="02020603050405020304" pitchFamily="18" charset="0"/>
+              <a:cs typeface="Times New Roman" panose="02020603050405020304" pitchFamily="18" charset="0"/>
+            </a:endParaRPr>
+          </a:p>
+          <a:p>
+            <a:r>
+              <a:rPr lang="en-US" sz="2400" dirty="0" smtClean="0">
+                <a:latin typeface="Times New Roman" panose="02020603050405020304" pitchFamily="18" charset="0"/>
+                <a:cs typeface="Times New Roman" panose="02020603050405020304" pitchFamily="18" charset="0"/>
+              </a:rPr>
+              <a:t> </a:t>
+            </a:r>
+            <a:r>
+              <a:rPr lang="en-US" sz="2400" dirty="0" smtClean="0">
+                <a:latin typeface="Times New Roman" panose="02020603050405020304" pitchFamily="18" charset="0"/>
+                <a:cs typeface="Times New Roman" panose="02020603050405020304" pitchFamily="18" charset="0"/>
+              </a:rPr>
+              <a:t>Finally , the </a:t>
+            </a:r>
+            <a:r>
+              <a:rPr lang="en-US" sz="2400" dirty="0">
+                <a:latin typeface="Times New Roman" panose="02020603050405020304" pitchFamily="18" charset="0"/>
+                <a:cs typeface="Times New Roman" panose="02020603050405020304" pitchFamily="18" charset="0"/>
+              </a:rPr>
+              <a:t>grade/performance of the user will be displayed.</a:t>
+            </a:r>
+          </a:p>
+        </p:txBody>
+      </p:sp>
+    </p:spTree>
+    <p:extLst>
+      <p:ext uri="{BB962C8B-B14F-4D97-AF65-F5344CB8AC3E}">
+        <p14:creationId xmlns:p14="http://schemas.microsoft.com/office/powerpoint/2010/main" val="3777484618"/>
+      </p:ext>
+    </p:extLst>
+  </p:cSld>
+  <p:clrMapOvr>
+    <a:masterClrMapping/>
+  </p:clrMapOvr>
+  <p:timing>
+    <p:tnLst>
+      <p:par>
+        <p:cTn id="1" dur="indefinite" restart="never" nodeType="tmRoot"/>
+      </p:par>
+    </p:tnLst>
+  </p:timing>
+</p:sld>
+</file>
+
 <file path=ppt/slides/slide2.xml><?xml version="1.0" encoding="utf-8"?>
 <p:sld xmlns:a="http://schemas.openxmlformats.org/drawingml/2006/main" xmlns:r="http://schemas.openxmlformats.org/officeDocument/2006/relationships" xmlns:p="http://schemas.openxmlformats.org/presentationml/2006/main">
   <p:cSld>
@@ -7868,7 +8573,7 @@
         </p:blipFill>
         <p:spPr>
           <a:xfrm>
-            <a:off x="3397720" y="3515933"/>
+            <a:off x="3300059" y="3232598"/>
             <a:ext cx="3108550" cy="2560233"/>
           </a:xfrm>
           <a:prstGeom prst="rect">
@@ -7898,7 +8603,7 @@
         </p:blipFill>
         <p:spPr>
           <a:xfrm rot="268983">
-            <a:off x="3750112" y="1829964"/>
+            <a:off x="3106167" y="1546630"/>
             <a:ext cx="2796734" cy="1579081"/>
           </a:xfrm>
           <a:prstGeom prst="rect">
@@ -7914,7 +8619,7 @@
         </p:nvSpPr>
         <p:spPr>
           <a:xfrm rot="366875">
-            <a:off x="4066653" y="2176725"/>
+            <a:off x="3468141" y="1891690"/>
             <a:ext cx="2310828" cy="707886"/>
           </a:xfrm>
           <a:prstGeom prst="rect">
@@ -7946,6 +8651,38 @@
               <a:latin typeface="Times New Roman" panose="02020603050405020304" pitchFamily="18" charset="0"/>
               <a:cs typeface="Times New Roman" panose="02020603050405020304" pitchFamily="18" charset="0"/>
             </a:endParaRPr>
+          </a:p>
+        </p:txBody>
+      </p:sp>
+      <p:sp>
+        <p:nvSpPr>
+          <p:cNvPr id="3" name="TextBox 2"/>
+          <p:cNvSpPr txBox="1"/>
+          <p:nvPr/>
+        </p:nvSpPr>
+        <p:spPr>
+          <a:xfrm>
+            <a:off x="1957589" y="6027313"/>
+            <a:ext cx="10234411" cy="369332"/>
+          </a:xfrm>
+          <a:prstGeom prst="rect">
+            <a:avLst/>
+          </a:prstGeom>
+          <a:noFill/>
+        </p:spPr>
+        <p:txBody>
+          <a:bodyPr wrap="square" rtlCol="0">
+            <a:spAutoFit/>
+          </a:bodyPr>
+          <a:lstStyle/>
+          <a:p>
+            <a:r>
+              <a:rPr lang="en-US" dirty="0">
+                <a:latin typeface="Times New Roman" panose="02020603050405020304" pitchFamily="18" charset="0"/>
+                <a:cs typeface="Times New Roman" panose="02020603050405020304" pitchFamily="18" charset="0"/>
+              </a:rPr>
+              <a:t>Reference : https://www.vectorstock.com/royalty-free-vector/creative-black-cute-cat-logo-vector-22551312</a:t>
+            </a:r>
           </a:p>
         </p:txBody>
       </p:sp>
@@ -7994,8 +8731,8 @@
         </p:nvSpPr>
         <p:spPr>
           <a:xfrm>
-            <a:off x="2691685" y="1674253"/>
-            <a:ext cx="8293993" cy="3600986"/>
+            <a:off x="1262131" y="774707"/>
+            <a:ext cx="5318974" cy="4031873"/>
           </a:xfrm>
           <a:prstGeom prst="rect">
             <a:avLst/>
@@ -8008,8 +8745,9 @@
           </a:bodyPr>
           <a:lstStyle/>
           <a:p>
-            <a:r>
-              <a:rPr lang="en-US" sz="3200" b="1" u="sng" dirty="0" smtClean="0">
+            <a:pPr algn="ctr"/>
+            <a:r>
+              <a:rPr lang="en-US" sz="3200" b="1" dirty="0" smtClean="0">
                 <a:solidFill>
                   <a:srgbClr val="00B0F0"/>
                 </a:solidFill>
@@ -8042,69 +8780,342 @@
               <a:buAutoNum type="arabicPeriod"/>
             </a:pPr>
             <a:r>
-              <a:rPr lang="en-US" sz="2800" dirty="0" smtClean="0">
+              <a:rPr lang="en-US" sz="2400" dirty="0" smtClean="0">
+                <a:latin typeface="Times New Roman" panose="02020603050405020304" pitchFamily="18" charset="0"/>
+                <a:cs typeface="Times New Roman" panose="02020603050405020304" pitchFamily="18" charset="0"/>
+              </a:rPr>
+              <a:t> One kind of Computer </a:t>
+            </a:r>
+            <a:r>
+              <a:rPr lang="en-US" sz="2400" dirty="0" smtClean="0">
+                <a:latin typeface="Times New Roman" panose="02020603050405020304" pitchFamily="18" charset="0"/>
+                <a:cs typeface="Times New Roman" panose="02020603050405020304" pitchFamily="18" charset="0"/>
+              </a:rPr>
+              <a:t>Administered Test</a:t>
+            </a:r>
+          </a:p>
+          <a:p>
+            <a:pPr marL="342900" indent="-342900">
+              <a:buAutoNum type="arabicPeriod"/>
+            </a:pPr>
+            <a:endParaRPr lang="en-US" sz="2400" dirty="0" smtClean="0">
+              <a:latin typeface="Times New Roman" panose="02020603050405020304" pitchFamily="18" charset="0"/>
+              <a:cs typeface="Times New Roman" panose="02020603050405020304" pitchFamily="18" charset="0"/>
+            </a:endParaRPr>
+          </a:p>
+          <a:p>
+            <a:pPr marL="342900" indent="-342900">
+              <a:buAutoNum type="arabicPeriod"/>
+            </a:pPr>
+            <a:r>
+              <a:rPr lang="en-US" sz="2400" dirty="0" smtClean="0">
+                <a:latin typeface="Times New Roman" panose="02020603050405020304" pitchFamily="18" charset="0"/>
+                <a:cs typeface="Times New Roman" panose="02020603050405020304" pitchFamily="18" charset="0"/>
+              </a:rPr>
+              <a:t> Adapts </a:t>
+            </a:r>
+            <a:r>
+              <a:rPr lang="en-US" sz="2400" dirty="0" smtClean="0">
+                <a:latin typeface="Times New Roman" panose="02020603050405020304" pitchFamily="18" charset="0"/>
+                <a:cs typeface="Times New Roman" panose="02020603050405020304" pitchFamily="18" charset="0"/>
+              </a:rPr>
+              <a:t>to the examinee’s </a:t>
+            </a:r>
+            <a:r>
+              <a:rPr lang="en-US" sz="2400" dirty="0" smtClean="0">
+                <a:latin typeface="Times New Roman" panose="02020603050405020304" pitchFamily="18" charset="0"/>
+                <a:cs typeface="Times New Roman" panose="02020603050405020304" pitchFamily="18" charset="0"/>
+              </a:rPr>
+              <a:t>ability</a:t>
+            </a:r>
+            <a:endParaRPr lang="en-US" sz="2400" dirty="0" smtClean="0">
+              <a:latin typeface="Times New Roman" panose="02020603050405020304" pitchFamily="18" charset="0"/>
+              <a:cs typeface="Times New Roman" panose="02020603050405020304" pitchFamily="18" charset="0"/>
+            </a:endParaRPr>
+          </a:p>
+          <a:p>
+            <a:pPr marL="342900" indent="-342900">
+              <a:buAutoNum type="arabicPeriod"/>
+            </a:pPr>
+            <a:endParaRPr lang="en-US" sz="2400" dirty="0" smtClean="0">
+              <a:latin typeface="Times New Roman" panose="02020603050405020304" pitchFamily="18" charset="0"/>
+              <a:cs typeface="Times New Roman" panose="02020603050405020304" pitchFamily="18" charset="0"/>
+            </a:endParaRPr>
+          </a:p>
+          <a:p>
+            <a:r>
+              <a:rPr lang="en-US" sz="2400" dirty="0" smtClean="0">
+                <a:latin typeface="Times New Roman" panose="02020603050405020304" pitchFamily="18" charset="0"/>
+                <a:cs typeface="Times New Roman" panose="02020603050405020304" pitchFamily="18" charset="0"/>
+              </a:rPr>
+              <a:t>3. </a:t>
+            </a:r>
+            <a:r>
+              <a:rPr lang="en-US" sz="2400" dirty="0" smtClean="0">
+                <a:latin typeface="Times New Roman" panose="02020603050405020304" pitchFamily="18" charset="0"/>
+                <a:cs typeface="Times New Roman" panose="02020603050405020304" pitchFamily="18" charset="0"/>
+              </a:rPr>
+              <a:t> Every time next </a:t>
+            </a:r>
+            <a:r>
+              <a:rPr lang="en-US" sz="2400" dirty="0" smtClean="0">
+                <a:latin typeface="Times New Roman" panose="02020603050405020304" pitchFamily="18" charset="0"/>
+                <a:cs typeface="Times New Roman" panose="02020603050405020304" pitchFamily="18" charset="0"/>
+              </a:rPr>
+              <a:t>item is selected by examinee’s </a:t>
+            </a:r>
+            <a:r>
+              <a:rPr lang="en-US" sz="2400" dirty="0" smtClean="0">
+                <a:latin typeface="Times New Roman" panose="02020603050405020304" pitchFamily="18" charset="0"/>
+                <a:cs typeface="Times New Roman" panose="02020603050405020304" pitchFamily="18" charset="0"/>
+              </a:rPr>
+              <a:t>  responses</a:t>
+            </a:r>
+            <a:endParaRPr lang="en-US" sz="2400" dirty="0">
+              <a:latin typeface="Times New Roman" panose="02020603050405020304" pitchFamily="18" charset="0"/>
+              <a:cs typeface="Times New Roman" panose="02020603050405020304" pitchFamily="18" charset="0"/>
+            </a:endParaRPr>
+          </a:p>
+        </p:txBody>
+      </p:sp>
+      <p:sp>
+        <p:nvSpPr>
+          <p:cNvPr id="2" name="TextBox 1"/>
+          <p:cNvSpPr txBox="1"/>
+          <p:nvPr/>
+        </p:nvSpPr>
+        <p:spPr>
+          <a:xfrm>
+            <a:off x="6825803" y="774707"/>
+            <a:ext cx="5074276" cy="3693319"/>
+          </a:xfrm>
+          <a:prstGeom prst="rect">
+            <a:avLst/>
+          </a:prstGeom>
+          <a:noFill/>
+        </p:spPr>
+        <p:txBody>
+          <a:bodyPr wrap="square" rtlCol="0">
+            <a:spAutoFit/>
+          </a:bodyPr>
+          <a:lstStyle/>
+          <a:p>
+            <a:pPr algn="ctr"/>
+            <a:r>
+              <a:rPr lang="en-US" sz="3200" b="1" dirty="0" smtClean="0">
                 <a:solidFill>
-                  <a:sysClr val="windowText" lastClr="000000"/>
+                  <a:schemeClr val="accent2"/>
                 </a:solidFill>
                 <a:latin typeface="Times New Roman" panose="02020603050405020304" pitchFamily="18" charset="0"/>
                 <a:cs typeface="Times New Roman" panose="02020603050405020304" pitchFamily="18" charset="0"/>
               </a:rPr>
-              <a:t>Computer Administered Test</a:t>
-            </a:r>
-          </a:p>
-          <a:p>
-            <a:pPr marL="342900" indent="-342900">
-              <a:buAutoNum type="arabicPeriod"/>
-            </a:pPr>
-            <a:endParaRPr lang="en-US" sz="2800" dirty="0" smtClean="0">
+              <a:t>Objectives of CAT</a:t>
+            </a:r>
+          </a:p>
+          <a:p>
+            <a:endParaRPr lang="en-US" sz="3200" dirty="0" smtClean="0">
               <a:solidFill>
-                <a:sysClr val="windowText" lastClr="000000"/>
+                <a:schemeClr val="accent2"/>
               </a:solidFill>
               <a:latin typeface="Times New Roman" panose="02020603050405020304" pitchFamily="18" charset="0"/>
               <a:cs typeface="Times New Roman" panose="02020603050405020304" pitchFamily="18" charset="0"/>
             </a:endParaRPr>
           </a:p>
           <a:p>
+            <a:endParaRPr lang="en-US" sz="3200" dirty="0" smtClean="0">
+              <a:solidFill>
+                <a:schemeClr val="accent2"/>
+              </a:solidFill>
+              <a:latin typeface="Times New Roman" panose="02020603050405020304" pitchFamily="18" charset="0"/>
+              <a:cs typeface="Times New Roman" panose="02020603050405020304" pitchFamily="18" charset="0"/>
+            </a:endParaRPr>
+          </a:p>
+          <a:p>
             <a:pPr marL="342900" indent="-342900">
               <a:buAutoNum type="arabicPeriod"/>
             </a:pPr>
             <a:r>
-              <a:rPr lang="en-US" sz="2800" dirty="0" smtClean="0">
+              <a:rPr lang="en-US" sz="2400" dirty="0">
+                <a:latin typeface="Times New Roman" panose="02020603050405020304" pitchFamily="18" charset="0"/>
+                <a:cs typeface="Times New Roman" panose="02020603050405020304" pitchFamily="18" charset="0"/>
+              </a:rPr>
+              <a:t>Provide </a:t>
+            </a:r>
+            <a:r>
+              <a:rPr lang="en-US" sz="2400" dirty="0" smtClean="0">
+                <a:latin typeface="Times New Roman" panose="02020603050405020304" pitchFamily="18" charset="0"/>
+                <a:cs typeface="Times New Roman" panose="02020603050405020304" pitchFamily="18" charset="0"/>
+              </a:rPr>
+              <a:t>more accurate measurement</a:t>
+            </a:r>
+            <a:endParaRPr lang="en-US" sz="2400" dirty="0">
+              <a:latin typeface="Times New Roman" panose="02020603050405020304" pitchFamily="18" charset="0"/>
+              <a:cs typeface="Times New Roman" panose="02020603050405020304" pitchFamily="18" charset="0"/>
+            </a:endParaRPr>
+          </a:p>
+          <a:p>
+            <a:pPr marL="342900" indent="-342900">
+              <a:buAutoNum type="arabicPeriod"/>
+            </a:pPr>
+            <a:endParaRPr lang="en-US" sz="2400" dirty="0">
+              <a:latin typeface="Times New Roman" panose="02020603050405020304" pitchFamily="18" charset="0"/>
+              <a:cs typeface="Times New Roman" panose="02020603050405020304" pitchFamily="18" charset="0"/>
+            </a:endParaRPr>
+          </a:p>
+          <a:p>
+            <a:pPr marL="342900" indent="-342900">
+              <a:buAutoNum type="arabicPeriod"/>
+            </a:pPr>
+            <a:r>
+              <a:rPr lang="en-US" sz="2400" dirty="0">
+                <a:latin typeface="Times New Roman" panose="02020603050405020304" pitchFamily="18" charset="0"/>
+                <a:cs typeface="Times New Roman" panose="02020603050405020304" pitchFamily="18" charset="0"/>
+              </a:rPr>
+              <a:t>Higher engagement of students</a:t>
+            </a:r>
+          </a:p>
+          <a:p>
+            <a:endParaRPr lang="en-US" sz="2400" dirty="0" smtClean="0">
+              <a:latin typeface="Times New Roman" panose="02020603050405020304" pitchFamily="18" charset="0"/>
+              <a:cs typeface="Times New Roman" panose="02020603050405020304" pitchFamily="18" charset="0"/>
+            </a:endParaRPr>
+          </a:p>
+          <a:p>
+            <a:r>
+              <a:rPr lang="en-US" sz="2400" dirty="0" smtClean="0">
+                <a:latin typeface="Times New Roman" panose="02020603050405020304" pitchFamily="18" charset="0"/>
+                <a:cs typeface="Times New Roman" panose="02020603050405020304" pitchFamily="18" charset="0"/>
+              </a:rPr>
+              <a:t>3.  Remove depression </a:t>
+            </a:r>
+            <a:r>
+              <a:rPr lang="en-US" sz="2400" dirty="0">
+                <a:latin typeface="Times New Roman" panose="02020603050405020304" pitchFamily="18" charset="0"/>
+                <a:cs typeface="Times New Roman" panose="02020603050405020304" pitchFamily="18" charset="0"/>
+              </a:rPr>
+              <a:t>of students</a:t>
+            </a:r>
+          </a:p>
+          <a:p>
+            <a:endParaRPr lang="en-US" dirty="0">
+              <a:solidFill>
+                <a:schemeClr val="accent2"/>
+              </a:solidFill>
+              <a:latin typeface="Times New Roman" panose="02020603050405020304" pitchFamily="18" charset="0"/>
+              <a:cs typeface="Times New Roman" panose="02020603050405020304" pitchFamily="18" charset="0"/>
+            </a:endParaRPr>
+          </a:p>
+        </p:txBody>
+      </p:sp>
+      <p:sp>
+        <p:nvSpPr>
+          <p:cNvPr id="3" name="Rectangle 2"/>
+          <p:cNvSpPr/>
+          <p:nvPr/>
+        </p:nvSpPr>
+        <p:spPr>
+          <a:xfrm>
+            <a:off x="6581105" y="1378041"/>
+            <a:ext cx="45719" cy="3428540"/>
+          </a:xfrm>
+          <a:prstGeom prst="rect">
+            <a:avLst/>
+          </a:prstGeom>
+        </p:spPr>
+        <p:style>
+          <a:lnRef idx="2">
+            <a:schemeClr val="accent1">
+              <a:shade val="50000"/>
+            </a:schemeClr>
+          </a:lnRef>
+          <a:fillRef idx="1">
+            <a:schemeClr val="accent1"/>
+          </a:fillRef>
+          <a:effectRef idx="0">
+            <a:schemeClr val="accent1"/>
+          </a:effectRef>
+          <a:fontRef idx="minor">
+            <a:schemeClr val="lt1"/>
+          </a:fontRef>
+        </p:style>
+        <p:txBody>
+          <a:bodyPr rtlCol="0" anchor="ctr"/>
+          <a:lstStyle/>
+          <a:p>
+            <a:pPr algn="ctr"/>
+            <a:endParaRPr lang="en-US"/>
+          </a:p>
+        </p:txBody>
+      </p:sp>
+      <p:sp>
+        <p:nvSpPr>
+          <p:cNvPr id="5" name="TextBox 4"/>
+          <p:cNvSpPr txBox="1"/>
+          <p:nvPr/>
+        </p:nvSpPr>
+        <p:spPr>
+          <a:xfrm>
+            <a:off x="1365161" y="5254580"/>
+            <a:ext cx="9878095" cy="830997"/>
+          </a:xfrm>
+          <a:prstGeom prst="rect">
+            <a:avLst/>
+          </a:prstGeom>
+          <a:noFill/>
+        </p:spPr>
+        <p:txBody>
+          <a:bodyPr wrap="square" rtlCol="0">
+            <a:spAutoFit/>
+          </a:bodyPr>
+          <a:lstStyle/>
+          <a:p>
+            <a:r>
+              <a:rPr lang="en-US" sz="2400" dirty="0" smtClean="0">
                 <a:solidFill>
-                  <a:sysClr val="windowText" lastClr="000000"/>
+                  <a:srgbClr val="00B050"/>
                 </a:solidFill>
                 <a:latin typeface="Times New Roman" panose="02020603050405020304" pitchFamily="18" charset="0"/>
                 <a:cs typeface="Times New Roman" panose="02020603050405020304" pitchFamily="18" charset="0"/>
               </a:rPr>
-              <a:t>Adapts to the examinee’s ability</a:t>
-            </a:r>
-          </a:p>
-          <a:p>
-            <a:pPr marL="342900" indent="-342900">
-              <a:buAutoNum type="arabicPeriod"/>
-            </a:pPr>
-            <a:endParaRPr lang="en-US" sz="2800" dirty="0" smtClean="0">
-              <a:solidFill>
-                <a:sysClr val="windowText" lastClr="000000"/>
-              </a:solidFill>
-              <a:latin typeface="Times New Roman" panose="02020603050405020304" pitchFamily="18" charset="0"/>
-              <a:cs typeface="Times New Roman" panose="02020603050405020304" pitchFamily="18" charset="0"/>
-            </a:endParaRPr>
-          </a:p>
-          <a:p>
-            <a:r>
-              <a:rPr lang="en-US" sz="2800" dirty="0" smtClean="0">
+              <a:t>CAT</a:t>
+            </a:r>
+            <a:r>
+              <a:rPr lang="en-US" sz="2400" dirty="0" smtClean="0">
+                <a:latin typeface="Times New Roman" panose="02020603050405020304" pitchFamily="18" charset="0"/>
+                <a:cs typeface="Times New Roman" panose="02020603050405020304" pitchFamily="18" charset="0"/>
+              </a:rPr>
+              <a:t> is used in </a:t>
+            </a:r>
+            <a:r>
+              <a:rPr lang="en-US" sz="2400" dirty="0" smtClean="0">
                 <a:solidFill>
-                  <a:sysClr val="windowText" lastClr="000000"/>
+                  <a:srgbClr val="00B050"/>
                 </a:solidFill>
                 <a:latin typeface="Times New Roman" panose="02020603050405020304" pitchFamily="18" charset="0"/>
                 <a:cs typeface="Times New Roman" panose="02020603050405020304" pitchFamily="18" charset="0"/>
               </a:rPr>
-              <a:t>3. Next item is selected by examinee’s responses</a:t>
-            </a:r>
-            <a:endParaRPr lang="en-US" sz="2800" dirty="0">
+              <a:t>Graduate Management Admission Test </a:t>
+            </a:r>
+            <a:r>
+              <a:rPr lang="en-US" sz="2400" dirty="0" smtClean="0">
+                <a:latin typeface="Times New Roman" panose="02020603050405020304" pitchFamily="18" charset="0"/>
+                <a:cs typeface="Times New Roman" panose="02020603050405020304" pitchFamily="18" charset="0"/>
+              </a:rPr>
+              <a:t>in US , </a:t>
+            </a:r>
+            <a:r>
+              <a:rPr lang="en-US" sz="2400" dirty="0" smtClean="0">
+                <a:solidFill>
+                  <a:srgbClr val="00B050"/>
+                </a:solidFill>
+                <a:latin typeface="Times New Roman" panose="02020603050405020304" pitchFamily="18" charset="0"/>
+                <a:cs typeface="Times New Roman" panose="02020603050405020304" pitchFamily="18" charset="0"/>
+              </a:rPr>
+              <a:t>Public Accountant Examination</a:t>
+            </a:r>
+            <a:endParaRPr lang="en-US" sz="2400" dirty="0">
               <a:solidFill>
-                <a:sysClr val="windowText" lastClr="000000"/>
+                <a:srgbClr val="00B050"/>
               </a:solidFill>
               <a:latin typeface="Times New Roman" panose="02020603050405020304" pitchFamily="18" charset="0"/>
               <a:cs typeface="Times New Roman" panose="02020603050405020304" pitchFamily="18" charset="0"/>
@@ -8151,14 +9162,14 @@
       </p:grpSpPr>
       <p:sp>
         <p:nvSpPr>
-          <p:cNvPr id="5" name="TextBox 4"/>
+          <p:cNvPr id="4" name="TextBox 3"/>
           <p:cNvSpPr txBox="1"/>
           <p:nvPr/>
         </p:nvSpPr>
         <p:spPr>
           <a:xfrm>
-            <a:off x="2202287" y="1223493"/>
-            <a:ext cx="9092485" cy="584775"/>
+            <a:off x="1571223" y="1584101"/>
+            <a:ext cx="9028090" cy="3539430"/>
           </a:xfrm>
           <a:prstGeom prst="rect">
             <a:avLst/>
@@ -8173,65 +9184,163 @@
           <a:p>
             <a:pPr algn="ctr"/>
             <a:r>
-              <a:rPr lang="en-US" sz="3200" b="1" u="sng" dirty="0" smtClean="0">
+              <a:rPr lang="en-US" sz="3200" dirty="0" smtClean="0">
                 <a:solidFill>
-                  <a:srgbClr val="00B0F0"/>
+                  <a:schemeClr val="accent2"/>
                 </a:solidFill>
                 <a:latin typeface="Times New Roman" panose="02020603050405020304" pitchFamily="18" charset="0"/>
                 <a:cs typeface="Times New Roman" panose="02020603050405020304" pitchFamily="18" charset="0"/>
               </a:rPr>
-              <a:t>Visualization of CAT</a:t>
-            </a:r>
-            <a:endParaRPr lang="en-US" sz="3200" b="1" u="sng" dirty="0">
+              <a:t>Advantages of CAT</a:t>
+            </a:r>
+          </a:p>
+          <a:p>
+            <a:endParaRPr lang="en-US" sz="2400" dirty="0">
               <a:solidFill>
-                <a:srgbClr val="00B0F0"/>
+                <a:schemeClr val="accent2"/>
               </a:solidFill>
               <a:latin typeface="Times New Roman" panose="02020603050405020304" pitchFamily="18" charset="0"/>
               <a:cs typeface="Times New Roman" panose="02020603050405020304" pitchFamily="18" charset="0"/>
             </a:endParaRPr>
           </a:p>
-        </p:txBody>
-      </p:sp>
-      <p:pic>
-        <p:nvPicPr>
-          <p:cNvPr id="6" name="Picture 5"/>
-          <p:cNvPicPr>
-            <a:picLocks noChangeAspect="1"/>
-          </p:cNvPicPr>
-          <p:nvPr/>
-        </p:nvPicPr>
-        <p:blipFill>
-          <a:blip r:embed="rId2">
-            <a:extLst>
-              <a:ext uri="{28A0092B-C50C-407E-A947-70E740481C1C}">
-                <a14:useLocalDpi xmlns:a14="http://schemas.microsoft.com/office/drawing/2010/main" val="0"/>
-              </a:ext>
-            </a:extLst>
-          </a:blip>
-          <a:stretch>
-            <a:fillRect/>
-          </a:stretch>
-        </p:blipFill>
-        <p:spPr>
-          <a:xfrm>
-            <a:off x="2012258" y="2326917"/>
-            <a:ext cx="9668880" cy="3545849"/>
-          </a:xfrm>
-          <a:prstGeom prst="rect">
-            <a:avLst/>
-          </a:prstGeom>
-        </p:spPr>
-      </p:pic>
+          <a:p>
+            <a:pPr marL="457200" indent="-457200">
+              <a:buAutoNum type="arabicPeriod"/>
+            </a:pPr>
+            <a:r>
+              <a:rPr lang="fr-FR" sz="2400" dirty="0" smtClean="0">
+                <a:latin typeface="Times New Roman" panose="02020603050405020304" pitchFamily="18" charset="0"/>
+                <a:cs typeface="Times New Roman" panose="02020603050405020304" pitchFamily="18" charset="0"/>
+              </a:rPr>
+              <a:t>CAT </a:t>
+            </a:r>
+            <a:r>
+              <a:rPr lang="fr-FR" sz="2400" dirty="0">
+                <a:latin typeface="Times New Roman" panose="02020603050405020304" pitchFamily="18" charset="0"/>
+                <a:cs typeface="Times New Roman" panose="02020603050405020304" pitchFamily="18" charset="0"/>
+              </a:rPr>
+              <a:t>avoids administering irrelevant questions</a:t>
+            </a:r>
+            <a:r>
+              <a:rPr lang="fr-FR" sz="2400" dirty="0" smtClean="0">
+                <a:latin typeface="Times New Roman" panose="02020603050405020304" pitchFamily="18" charset="0"/>
+                <a:cs typeface="Times New Roman" panose="02020603050405020304" pitchFamily="18" charset="0"/>
+              </a:rPr>
+              <a:t>.</a:t>
+            </a:r>
+          </a:p>
+          <a:p>
+            <a:pPr marL="457200" indent="-457200">
+              <a:buAutoNum type="arabicPeriod"/>
+            </a:pPr>
+            <a:endParaRPr lang="fr-FR" sz="2400" dirty="0">
+              <a:solidFill>
+                <a:schemeClr val="accent2"/>
+              </a:solidFill>
+              <a:latin typeface="Times New Roman" panose="02020603050405020304" pitchFamily="18" charset="0"/>
+              <a:cs typeface="Times New Roman" panose="02020603050405020304" pitchFamily="18" charset="0"/>
+            </a:endParaRPr>
+          </a:p>
+          <a:p>
+            <a:pPr marL="457200" indent="-457200">
+              <a:buAutoNum type="arabicPeriod"/>
+            </a:pPr>
+            <a:r>
+              <a:rPr lang="en-US" sz="2400" dirty="0">
+                <a:latin typeface="Times New Roman" panose="02020603050405020304" pitchFamily="18" charset="0"/>
+                <a:cs typeface="Times New Roman" panose="02020603050405020304" pitchFamily="18" charset="0"/>
+              </a:rPr>
+              <a:t>CAT tests can be shorter</a:t>
+            </a:r>
+            <a:r>
+              <a:rPr lang="en-US" sz="2400" dirty="0" smtClean="0">
+                <a:latin typeface="Times New Roman" panose="02020603050405020304" pitchFamily="18" charset="0"/>
+                <a:cs typeface="Times New Roman" panose="02020603050405020304" pitchFamily="18" charset="0"/>
+              </a:rPr>
+              <a:t>.</a:t>
+            </a:r>
+          </a:p>
+          <a:p>
+            <a:pPr marL="457200" indent="-457200">
+              <a:buAutoNum type="arabicPeriod"/>
+            </a:pPr>
+            <a:endParaRPr lang="en-US" sz="2400" dirty="0">
+              <a:solidFill>
+                <a:schemeClr val="accent2"/>
+              </a:solidFill>
+              <a:latin typeface="Times New Roman" panose="02020603050405020304" pitchFamily="18" charset="0"/>
+              <a:cs typeface="Times New Roman" panose="02020603050405020304" pitchFamily="18" charset="0"/>
+            </a:endParaRPr>
+          </a:p>
+          <a:p>
+            <a:pPr marL="457200" indent="-457200">
+              <a:buAutoNum type="arabicPeriod"/>
+            </a:pPr>
+            <a:r>
+              <a:rPr lang="en-US" sz="2400" dirty="0">
+                <a:latin typeface="Times New Roman" panose="02020603050405020304" pitchFamily="18" charset="0"/>
+                <a:cs typeface="Times New Roman" panose="02020603050405020304" pitchFamily="18" charset="0"/>
+              </a:rPr>
+              <a:t>CAT tests can be quicker to develop, implement and report</a:t>
+            </a:r>
+            <a:r>
+              <a:rPr lang="en-US" sz="2400" dirty="0" smtClean="0">
+                <a:latin typeface="Times New Roman" panose="02020603050405020304" pitchFamily="18" charset="0"/>
+                <a:cs typeface="Times New Roman" panose="02020603050405020304" pitchFamily="18" charset="0"/>
+              </a:rPr>
+              <a:t>.</a:t>
+            </a:r>
+          </a:p>
+          <a:p>
+            <a:pPr marL="457200" indent="-457200">
+              <a:buAutoNum type="arabicPeriod"/>
+            </a:pPr>
+            <a:endParaRPr lang="en-US" sz="2400" dirty="0">
+              <a:solidFill>
+                <a:schemeClr val="accent2"/>
+              </a:solidFill>
+              <a:latin typeface="Times New Roman" panose="02020603050405020304" pitchFamily="18" charset="0"/>
+              <a:cs typeface="Times New Roman" panose="02020603050405020304" pitchFamily="18" charset="0"/>
+            </a:endParaRPr>
+          </a:p>
+          <a:p>
+            <a:pPr marL="457200" indent="-457200">
+              <a:buAutoNum type="arabicPeriod"/>
+            </a:pPr>
+            <a:r>
+              <a:rPr lang="en-US" sz="2400" dirty="0">
+                <a:latin typeface="Times New Roman" panose="02020603050405020304" pitchFamily="18" charset="0"/>
+                <a:cs typeface="Times New Roman" panose="02020603050405020304" pitchFamily="18" charset="0"/>
+              </a:rPr>
+              <a:t>CAT tests can be better experiences.</a:t>
+            </a:r>
+            <a:endParaRPr lang="en-US" sz="2400" dirty="0">
+              <a:solidFill>
+                <a:schemeClr val="accent2"/>
+              </a:solidFill>
+              <a:latin typeface="Times New Roman" panose="02020603050405020304" pitchFamily="18" charset="0"/>
+              <a:cs typeface="Times New Roman" panose="02020603050405020304" pitchFamily="18" charset="0"/>
+            </a:endParaRPr>
+          </a:p>
+        </p:txBody>
+      </p:sp>
     </p:spTree>
     <p:extLst>
       <p:ext uri="{BB962C8B-B14F-4D97-AF65-F5344CB8AC3E}">
-        <p14:creationId xmlns:p14="http://schemas.microsoft.com/office/powerpoint/2010/main" val="1544717410"/>
+        <p14:creationId xmlns:p14="http://schemas.microsoft.com/office/powerpoint/2010/main" val="2674428462"/>
       </p:ext>
     </p:extLst>
   </p:cSld>
   <p:clrMapOvr>
     <a:masterClrMapping/>
   </p:clrMapOvr>
+  <p:timing>
+    <p:tnLst>
+      <p:par>
+        <p:cTn id="1" dur="indefinite" restart="never" nodeType="tmRoot"/>
+      </p:par>
+    </p:tnLst>
+  </p:timing>
 </p:sld>
 </file>
 
@@ -8260,8 +9369,8 @@
         </p:nvSpPr>
         <p:spPr>
           <a:xfrm>
-            <a:off x="2408349" y="386366"/>
-            <a:ext cx="6452316" cy="584775"/>
+            <a:off x="1275008" y="656823"/>
+            <a:ext cx="9092485" cy="584775"/>
           </a:xfrm>
           <a:prstGeom prst="rect">
             <a:avLst/>
@@ -8276,16 +9385,16 @@
           <a:p>
             <a:pPr algn="ctr"/>
             <a:r>
-              <a:rPr lang="en-US" sz="3200" u="sng" dirty="0" smtClean="0">
+              <a:rPr lang="en-US" sz="3200" b="1" u="sng" dirty="0" smtClean="0">
                 <a:solidFill>
                   <a:srgbClr val="00B0F0"/>
                 </a:solidFill>
                 <a:latin typeface="Times New Roman" panose="02020603050405020304" pitchFamily="18" charset="0"/>
                 <a:cs typeface="Times New Roman" panose="02020603050405020304" pitchFamily="18" charset="0"/>
               </a:rPr>
-              <a:t>Proposal Of SPL-1</a:t>
-            </a:r>
-            <a:endParaRPr lang="en-US" sz="3200" u="sng" dirty="0">
+              <a:t>Visualization of CAT</a:t>
+            </a:r>
+            <a:endParaRPr lang="en-US" sz="3200" b="1" u="sng" dirty="0">
               <a:solidFill>
                 <a:srgbClr val="00B0F0"/>
               </a:solidFill>
@@ -8295,16 +9404,46 @@
           </a:p>
         </p:txBody>
       </p:sp>
-      <p:sp>
-        <p:nvSpPr>
-          <p:cNvPr id="2" name="TextBox 1"/>
+      <p:pic>
+        <p:nvPicPr>
+          <p:cNvPr id="2" name="Picture 1"/>
+          <p:cNvPicPr>
+            <a:picLocks noChangeAspect="1"/>
+          </p:cNvPicPr>
+          <p:nvPr/>
+        </p:nvPicPr>
+        <p:blipFill>
+          <a:blip r:embed="rId2">
+            <a:extLst>
+              <a:ext uri="{28A0092B-C50C-407E-A947-70E740481C1C}">
+                <a14:useLocalDpi xmlns:a14="http://schemas.microsoft.com/office/drawing/2010/main" val="0"/>
+              </a:ext>
+            </a:extLst>
+          </a:blip>
+          <a:stretch>
+            <a:fillRect/>
+          </a:stretch>
+        </p:blipFill>
+        <p:spPr>
+          <a:xfrm>
+            <a:off x="1565360" y="1629109"/>
+            <a:ext cx="9407440" cy="4076231"/>
+          </a:xfrm>
+          <a:prstGeom prst="rect">
+            <a:avLst/>
+          </a:prstGeom>
+        </p:spPr>
+      </p:pic>
+      <p:sp>
+        <p:nvSpPr>
+          <p:cNvPr id="3" name="TextBox 2"/>
           <p:cNvSpPr txBox="1"/>
           <p:nvPr/>
         </p:nvSpPr>
         <p:spPr>
           <a:xfrm>
-            <a:off x="2640168" y="2034862"/>
-            <a:ext cx="8397025" cy="4154984"/>
+            <a:off x="1565360" y="6092851"/>
+            <a:ext cx="9697792" cy="646331"/>
           </a:xfrm>
           <a:prstGeom prst="rect">
             <a:avLst/>
@@ -8318,113 +9457,22 @@
           <a:lstStyle/>
           <a:p>
             <a:r>
-              <a:rPr lang="en-US" sz="2400" dirty="0" smtClean="0">
+              <a:rPr lang="en-US" dirty="0">
+                <a:solidFill>
+                  <a:srgbClr val="00B050"/>
+                </a:solidFill>
                 <a:latin typeface="Times New Roman" panose="02020603050405020304" pitchFamily="18" charset="0"/>
                 <a:cs typeface="Times New Roman" panose="02020603050405020304" pitchFamily="18" charset="0"/>
               </a:rPr>
-              <a:t>The </a:t>
-            </a:r>
-            <a:r>
-              <a:rPr lang="en-US" sz="2400" dirty="0">
-                <a:latin typeface="Times New Roman" panose="02020603050405020304" pitchFamily="18" charset="0"/>
-                <a:cs typeface="Times New Roman" panose="02020603050405020304" pitchFamily="18" charset="0"/>
-              </a:rPr>
-              <a:t>program will consist of a user interface and a backend </a:t>
-            </a:r>
-            <a:r>
-              <a:rPr lang="en-US" sz="2400" dirty="0" smtClean="0">
-                <a:latin typeface="Times New Roman" panose="02020603050405020304" pitchFamily="18" charset="0"/>
-                <a:cs typeface="Times New Roman" panose="02020603050405020304" pitchFamily="18" charset="0"/>
-              </a:rPr>
-              <a:t>which </a:t>
-            </a:r>
-            <a:r>
-              <a:rPr lang="en-US" sz="2400" dirty="0">
-                <a:latin typeface="Times New Roman" panose="02020603050405020304" pitchFamily="18" charset="0"/>
-                <a:cs typeface="Times New Roman" panose="02020603050405020304" pitchFamily="18" charset="0"/>
-              </a:rPr>
-              <a:t>contains some specific set of questions on one topic or various topics. </a:t>
-            </a:r>
-            <a:endParaRPr lang="en-US" sz="2400" dirty="0" smtClean="0">
-              <a:latin typeface="Times New Roman" panose="02020603050405020304" pitchFamily="18" charset="0"/>
-              <a:cs typeface="Times New Roman" panose="02020603050405020304" pitchFamily="18" charset="0"/>
-            </a:endParaRPr>
-          </a:p>
-          <a:p>
-            <a:endParaRPr lang="en-US" sz="2400" dirty="0">
-              <a:latin typeface="Times New Roman" panose="02020603050405020304" pitchFamily="18" charset="0"/>
-              <a:cs typeface="Times New Roman" panose="02020603050405020304" pitchFamily="18" charset="0"/>
-            </a:endParaRPr>
-          </a:p>
-          <a:p>
-            <a:r>
-              <a:rPr lang="en-US" sz="2400" dirty="0" smtClean="0">
-                <a:latin typeface="Times New Roman" panose="02020603050405020304" pitchFamily="18" charset="0"/>
-                <a:cs typeface="Times New Roman" panose="02020603050405020304" pitchFamily="18" charset="0"/>
-              </a:rPr>
-              <a:t>Depending </a:t>
-            </a:r>
-            <a:r>
-              <a:rPr lang="en-US" sz="2400" dirty="0">
-                <a:latin typeface="Times New Roman" panose="02020603050405020304" pitchFamily="18" charset="0"/>
-                <a:cs typeface="Times New Roman" panose="02020603050405020304" pitchFamily="18" charset="0"/>
-              </a:rPr>
-              <a:t>on the user’s performance at answering, the program will evaluate the user and change the question set according to the user’s skill. Here the questions set will be selected by implementing a Computerized Adaptive Test (CAT) algorithm (either </a:t>
-            </a:r>
-            <a:r>
-              <a:rPr lang="en-US" sz="2400" dirty="0" err="1">
-                <a:latin typeface="Times New Roman" panose="02020603050405020304" pitchFamily="18" charset="0"/>
-                <a:cs typeface="Times New Roman" panose="02020603050405020304" pitchFamily="18" charset="0"/>
-              </a:rPr>
-              <a:t>Rasch</a:t>
-            </a:r>
-            <a:r>
-              <a:rPr lang="en-US" sz="2400" dirty="0">
-                <a:latin typeface="Times New Roman" panose="02020603050405020304" pitchFamily="18" charset="0"/>
-                <a:cs typeface="Times New Roman" panose="02020603050405020304" pitchFamily="18" charset="0"/>
-              </a:rPr>
-              <a:t> Algorithm or Monte Carlo Algorithm</a:t>
-            </a:r>
-            <a:r>
-              <a:rPr lang="en-US" sz="2400" dirty="0" smtClean="0">
-                <a:latin typeface="Times New Roman" panose="02020603050405020304" pitchFamily="18" charset="0"/>
-                <a:cs typeface="Times New Roman" panose="02020603050405020304" pitchFamily="18" charset="0"/>
-              </a:rPr>
-              <a:t>).</a:t>
-            </a:r>
-          </a:p>
-          <a:p>
-            <a:endParaRPr lang="en-US" sz="2400" dirty="0">
-              <a:latin typeface="Times New Roman" panose="02020603050405020304" pitchFamily="18" charset="0"/>
-              <a:cs typeface="Times New Roman" panose="02020603050405020304" pitchFamily="18" charset="0"/>
-            </a:endParaRPr>
-          </a:p>
-          <a:p>
-            <a:r>
-              <a:rPr lang="en-US" sz="2400" dirty="0" smtClean="0">
-                <a:latin typeface="Times New Roman" panose="02020603050405020304" pitchFamily="18" charset="0"/>
-                <a:cs typeface="Times New Roman" panose="02020603050405020304" pitchFamily="18" charset="0"/>
-              </a:rPr>
-              <a:t> </a:t>
-            </a:r>
-            <a:r>
-              <a:rPr lang="en-US" sz="2400" dirty="0">
-                <a:latin typeface="Times New Roman" panose="02020603050405020304" pitchFamily="18" charset="0"/>
-                <a:cs typeface="Times New Roman" panose="02020603050405020304" pitchFamily="18" charset="0"/>
-              </a:rPr>
-              <a:t>Finally the grade/performance of the user will be displayed.</a:t>
-            </a:r>
-            <a:endParaRPr lang="en-US" sz="2400" dirty="0">
-              <a:latin typeface="Times New Roman" panose="02020603050405020304" pitchFamily="18" charset="0"/>
-              <a:cs typeface="Times New Roman" panose="02020603050405020304" pitchFamily="18" charset="0"/>
-            </a:endParaRPr>
+              <a:t>Reference : https://apasseducation.com/education-blog/two-types-computer-adaptive-testing-assessment/</a:t>
+            </a:r>
           </a:p>
         </p:txBody>
       </p:sp>
     </p:spTree>
     <p:extLst>
       <p:ext uri="{BB962C8B-B14F-4D97-AF65-F5344CB8AC3E}">
-        <p14:creationId xmlns:p14="http://schemas.microsoft.com/office/powerpoint/2010/main" val="3777484618"/>
+        <p14:creationId xmlns:p14="http://schemas.microsoft.com/office/powerpoint/2010/main" val="1544717410"/>
       </p:ext>
     </p:extLst>
   </p:cSld>
@@ -8466,8 +9514,8 @@
         </p:nvSpPr>
         <p:spPr>
           <a:xfrm>
-            <a:off x="1880315" y="1416676"/>
-            <a:ext cx="9684913" cy="4862870"/>
+            <a:off x="1635616" y="1275009"/>
+            <a:ext cx="9684913" cy="4031873"/>
           </a:xfrm>
           <a:prstGeom prst="rect">
             <a:avLst/>
@@ -8480,6 +9528,7 @@
           </a:bodyPr>
           <a:lstStyle/>
           <a:p>
+            <a:pPr algn="ctr"/>
             <a:r>
               <a:rPr lang="en-US" sz="3200" b="1" u="sng" dirty="0" smtClean="0">
                 <a:solidFill>
@@ -8488,7 +9537,37 @@
                 <a:latin typeface="Times New Roman" panose="02020603050405020304" pitchFamily="18" charset="0"/>
                 <a:cs typeface="Times New Roman" panose="02020603050405020304" pitchFamily="18" charset="0"/>
               </a:rPr>
-              <a:t>Motivation of The Project </a:t>
+              <a:t>Motive </a:t>
+            </a:r>
+            <a:r>
+              <a:rPr lang="en-US" sz="3200" b="1" u="sng" dirty="0" smtClean="0">
+                <a:solidFill>
+                  <a:srgbClr val="00B0F0"/>
+                </a:solidFill>
+                <a:latin typeface="Times New Roman" panose="02020603050405020304" pitchFamily="18" charset="0"/>
+                <a:cs typeface="Times New Roman" panose="02020603050405020304" pitchFamily="18" charset="0"/>
+              </a:rPr>
+              <a:t>of </a:t>
+            </a:r>
+            <a:r>
+              <a:rPr lang="en-US" sz="3200" b="1" u="sng" dirty="0" smtClean="0">
+                <a:solidFill>
+                  <a:srgbClr val="00B0F0"/>
+                </a:solidFill>
+                <a:latin typeface="Times New Roman" panose="02020603050405020304" pitchFamily="18" charset="0"/>
+                <a:cs typeface="Times New Roman" panose="02020603050405020304" pitchFamily="18" charset="0"/>
+              </a:rPr>
+              <a:t>the </a:t>
+            </a:r>
+            <a:r>
+              <a:rPr lang="en-US" sz="3200" b="1" u="sng" dirty="0" smtClean="0">
+                <a:solidFill>
+                  <a:srgbClr val="00B0F0"/>
+                </a:solidFill>
+                <a:latin typeface="Times New Roman" panose="02020603050405020304" pitchFamily="18" charset="0"/>
+                <a:cs typeface="Times New Roman" panose="02020603050405020304" pitchFamily="18" charset="0"/>
+              </a:rPr>
+              <a:t>Project </a:t>
             </a:r>
           </a:p>
           <a:p>
@@ -8501,105 +9580,118 @@
             </a:endParaRPr>
           </a:p>
           <a:p>
-            <a:endParaRPr lang="en-US" sz="3200" b="1" u="sng" dirty="0" smtClean="0">
-              <a:solidFill>
-                <a:srgbClr val="00B0F0"/>
-              </a:solidFill>
+            <a:pPr marL="457200" indent="-457200">
+              <a:buAutoNum type="arabicPeriod"/>
+            </a:pPr>
+            <a:r>
+              <a:rPr lang="en-US" sz="2400" dirty="0" smtClean="0">
+                <a:latin typeface="Times New Roman" panose="02020603050405020304" pitchFamily="18" charset="0"/>
+                <a:cs typeface="Times New Roman" panose="02020603050405020304" pitchFamily="18" charset="0"/>
+              </a:rPr>
+              <a:t>As I love logical things , I want to build a computer based test</a:t>
+            </a:r>
+          </a:p>
+          <a:p>
+            <a:pPr marL="457200" indent="-457200">
+              <a:buAutoNum type="arabicPeriod"/>
+            </a:pPr>
+            <a:endParaRPr lang="en-US" sz="2400" dirty="0">
               <a:latin typeface="Times New Roman" panose="02020603050405020304" pitchFamily="18" charset="0"/>
               <a:cs typeface="Times New Roman" panose="02020603050405020304" pitchFamily="18" charset="0"/>
             </a:endParaRPr>
           </a:p>
           <a:p>
-            <a:pPr marL="342900" indent="-342900">
+            <a:pPr marL="457200" indent="-457200">
               <a:buAutoNum type="arabicPeriod"/>
             </a:pPr>
             <a:r>
-              <a:rPr lang="en-US" sz="2800" dirty="0" smtClean="0">
+              <a:rPr lang="en-US" sz="2400" dirty="0" smtClean="0">
                 <a:latin typeface="Times New Roman" panose="02020603050405020304" pitchFamily="18" charset="0"/>
                 <a:cs typeface="Times New Roman" panose="02020603050405020304" pitchFamily="18" charset="0"/>
               </a:rPr>
-              <a:t>Provide important measurement of advantages</a:t>
-            </a:r>
-          </a:p>
-          <a:p>
-            <a:pPr marL="342900" indent="-342900">
+              <a:t>So, I found computerized adaptive test system as my project</a:t>
+            </a:r>
+          </a:p>
+          <a:p>
+            <a:pPr marL="457200" indent="-457200">
               <a:buAutoNum type="arabicPeriod"/>
             </a:pPr>
-            <a:endParaRPr lang="en-US" sz="2800" dirty="0" smtClean="0">
+            <a:endParaRPr lang="en-US" sz="2400" dirty="0" smtClean="0">
               <a:latin typeface="Times New Roman" panose="02020603050405020304" pitchFamily="18" charset="0"/>
               <a:cs typeface="Times New Roman" panose="02020603050405020304" pitchFamily="18" charset="0"/>
             </a:endParaRPr>
           </a:p>
           <a:p>
-            <a:pPr marL="342900" indent="-342900">
+            <a:pPr marL="457200" indent="-457200">
               <a:buAutoNum type="arabicPeriod"/>
             </a:pPr>
             <a:r>
-              <a:rPr lang="en-US" sz="2800" dirty="0" smtClean="0">
+              <a:rPr lang="en-US" sz="2400" dirty="0" smtClean="0">
                 <a:latin typeface="Times New Roman" panose="02020603050405020304" pitchFamily="18" charset="0"/>
                 <a:cs typeface="Times New Roman" panose="02020603050405020304" pitchFamily="18" charset="0"/>
               </a:rPr>
-              <a:t>Higher engagement of students</a:t>
-            </a:r>
-          </a:p>
-          <a:p>
-            <a:pPr marL="342900" indent="-342900">
+              <a:t>It helps me to learn CAT more precisely</a:t>
+            </a:r>
+          </a:p>
+          <a:p>
+            <a:pPr marL="457200" indent="-457200">
               <a:buAutoNum type="arabicPeriod"/>
             </a:pPr>
-            <a:endParaRPr lang="en-US" sz="2800" dirty="0" smtClean="0">
+            <a:endParaRPr lang="en-US" sz="2400" dirty="0">
               <a:latin typeface="Times New Roman" panose="02020603050405020304" pitchFamily="18" charset="0"/>
               <a:cs typeface="Times New Roman" panose="02020603050405020304" pitchFamily="18" charset="0"/>
             </a:endParaRPr>
           </a:p>
           <a:p>
-            <a:pPr marL="342900" indent="-342900">
+            <a:pPr marL="457200" indent="-457200">
+              <a:buFontTx/>
               <a:buAutoNum type="arabicPeriod"/>
             </a:pPr>
             <a:r>
-              <a:rPr lang="en-US" sz="2800" dirty="0" smtClean="0">
+              <a:rPr lang="en-US" sz="2400" dirty="0" smtClean="0">
                 <a:latin typeface="Times New Roman" panose="02020603050405020304" pitchFamily="18" charset="0"/>
                 <a:cs typeface="Times New Roman" panose="02020603050405020304" pitchFamily="18" charset="0"/>
               </a:rPr>
-              <a:t>Lower anxiety</a:t>
-            </a:r>
-          </a:p>
-          <a:p>
-            <a:pPr marL="342900" indent="-342900">
-              <a:buAutoNum type="arabicPeriod"/>
-            </a:pPr>
-            <a:endParaRPr lang="en-US" sz="2800" dirty="0" smtClean="0">
+              <a:t>And I found </a:t>
+            </a:r>
+            <a:r>
+              <a:rPr lang="en-US" sz="2400" dirty="0">
+                <a:latin typeface="Times New Roman" panose="02020603050405020304" pitchFamily="18" charset="0"/>
+                <a:cs typeface="Times New Roman" panose="02020603050405020304" pitchFamily="18" charset="0"/>
+              </a:rPr>
+              <a:t>test system </a:t>
+            </a:r>
+            <a:r>
+              <a:rPr lang="en-US" sz="2400" dirty="0" smtClean="0">
+                <a:latin typeface="Times New Roman" panose="02020603050405020304" pitchFamily="18" charset="0"/>
+                <a:cs typeface="Times New Roman" panose="02020603050405020304" pitchFamily="18" charset="0"/>
+              </a:rPr>
+              <a:t>as a </a:t>
+            </a:r>
+            <a:r>
+              <a:rPr lang="en-US" sz="2400" dirty="0">
+                <a:latin typeface="Times New Roman" panose="02020603050405020304" pitchFamily="18" charset="0"/>
+                <a:cs typeface="Times New Roman" panose="02020603050405020304" pitchFamily="18" charset="0"/>
+              </a:rPr>
+              <a:t>interesting </a:t>
+            </a:r>
+            <a:r>
+              <a:rPr lang="en-US" sz="2400" dirty="0" smtClean="0">
+                <a:latin typeface="Times New Roman" panose="02020603050405020304" pitchFamily="18" charset="0"/>
+                <a:cs typeface="Times New Roman" panose="02020603050405020304" pitchFamily="18" charset="0"/>
+              </a:rPr>
+              <a:t>thing.</a:t>
+            </a:r>
+            <a:endParaRPr lang="en-US" sz="2400" dirty="0">
               <a:latin typeface="Times New Roman" panose="02020603050405020304" pitchFamily="18" charset="0"/>
               <a:cs typeface="Times New Roman" panose="02020603050405020304" pitchFamily="18" charset="0"/>
             </a:endParaRPr>
           </a:p>
           <a:p>
-            <a:pPr marL="342900" indent="-342900">
+            <a:pPr marL="457200" indent="-457200">
               <a:buAutoNum type="arabicPeriod"/>
             </a:pPr>
-            <a:r>
-              <a:rPr lang="en-US" sz="2800" dirty="0" smtClean="0">
-                <a:latin typeface="Times New Roman" panose="02020603050405020304" pitchFamily="18" charset="0"/>
-                <a:cs typeface="Times New Roman" panose="02020603050405020304" pitchFamily="18" charset="0"/>
-              </a:rPr>
-              <a:t>Remove </a:t>
-            </a:r>
-            <a:r>
-              <a:rPr lang="en-US" sz="2800" dirty="0" smtClean="0">
-                <a:latin typeface="Times New Roman" panose="02020603050405020304" pitchFamily="18" charset="0"/>
-                <a:cs typeface="Times New Roman" panose="02020603050405020304" pitchFamily="18" charset="0"/>
-              </a:rPr>
-              <a:t>Depression of students</a:t>
-            </a:r>
-            <a:endParaRPr lang="en-US" sz="2800" dirty="0" smtClean="0">
-              <a:latin typeface="Times New Roman" panose="02020603050405020304" pitchFamily="18" charset="0"/>
-              <a:cs typeface="Times New Roman" panose="02020603050405020304" pitchFamily="18" charset="0"/>
-            </a:endParaRPr>
-          </a:p>
-          <a:p>
-            <a:pPr marL="342900" indent="-342900">
-              <a:buAutoNum type="arabicPeriod"/>
-            </a:pPr>
-            <a:endParaRPr lang="en-US" dirty="0">
+            <a:endParaRPr lang="en-US" sz="2400" dirty="0">
               <a:latin typeface="Times New Roman" panose="02020603050405020304" pitchFamily="18" charset="0"/>
               <a:cs typeface="Times New Roman" panose="02020603050405020304" pitchFamily="18" charset="0"/>
             </a:endParaRPr>
@@ -8651,8 +9743,8 @@
         </p:nvSpPr>
         <p:spPr>
           <a:xfrm>
-            <a:off x="1854558" y="1133341"/>
-            <a:ext cx="8886422" cy="4401205"/>
+            <a:off x="1390919" y="476518"/>
+            <a:ext cx="8796270" cy="5878532"/>
           </a:xfrm>
           <a:prstGeom prst="rect">
             <a:avLst/>
@@ -8674,10 +9766,8 @@
                 <a:latin typeface="Times New Roman" panose="02020603050405020304" pitchFamily="18" charset="0"/>
                 <a:cs typeface="Times New Roman" panose="02020603050405020304" pitchFamily="18" charset="0"/>
               </a:rPr>
-              <a:t>Project Steps</a:t>
-            </a:r>
-          </a:p>
-          <a:p>
+              <a:t>Implementing Project</a:t>
+            </a:r>
             <a:endParaRPr lang="en-US" sz="3200" dirty="0" smtClean="0">
               <a:solidFill>
                 <a:srgbClr val="00B0F0"/>
@@ -8687,118 +9777,257 @@
             </a:endParaRPr>
           </a:p>
           <a:p>
+            <a:endParaRPr lang="en-US" sz="3200" dirty="0" smtClean="0">
+              <a:solidFill>
+                <a:srgbClr val="00B0F0"/>
+              </a:solidFill>
+              <a:latin typeface="Times New Roman" panose="02020603050405020304" pitchFamily="18" charset="0"/>
+              <a:cs typeface="Times New Roman" panose="02020603050405020304" pitchFamily="18" charset="0"/>
+            </a:endParaRPr>
+          </a:p>
+          <a:p>
             <a:pPr marL="457200" indent="-457200">
               <a:buAutoNum type="arabicPeriod"/>
             </a:pPr>
             <a:r>
               <a:rPr lang="en-US" sz="2400" dirty="0" smtClean="0">
+                <a:solidFill>
+                  <a:srgbClr val="00B050"/>
+                </a:solidFill>
                 <a:latin typeface="Times New Roman" panose="02020603050405020304" pitchFamily="18" charset="0"/>
                 <a:cs typeface="Times New Roman" panose="02020603050405020304" pitchFamily="18" charset="0"/>
               </a:rPr>
-              <a:t>Make question sets according to the difficulty level.</a:t>
-            </a:r>
+              <a:t>Making </a:t>
+            </a:r>
+            <a:r>
+              <a:rPr lang="en-US" sz="2400" dirty="0" smtClean="0">
+                <a:solidFill>
+                  <a:srgbClr val="00B050"/>
+                </a:solidFill>
+                <a:latin typeface="Times New Roman" panose="02020603050405020304" pitchFamily="18" charset="0"/>
+                <a:cs typeface="Times New Roman" panose="02020603050405020304" pitchFamily="18" charset="0"/>
+              </a:rPr>
+              <a:t>question sets according to the difficulty </a:t>
+            </a:r>
+            <a:r>
+              <a:rPr lang="en-US" sz="2400" dirty="0" smtClean="0">
+                <a:solidFill>
+                  <a:srgbClr val="00B050"/>
+                </a:solidFill>
+                <a:latin typeface="Times New Roman" panose="02020603050405020304" pitchFamily="18" charset="0"/>
+                <a:cs typeface="Times New Roman" panose="02020603050405020304" pitchFamily="18" charset="0"/>
+              </a:rPr>
+              <a:t>level(easy , medium , hard ).</a:t>
+            </a:r>
+            <a:endParaRPr lang="en-US" sz="2400" dirty="0" smtClean="0">
+              <a:solidFill>
+                <a:srgbClr val="00B050"/>
+              </a:solidFill>
+              <a:latin typeface="Times New Roman" panose="02020603050405020304" pitchFamily="18" charset="0"/>
+              <a:cs typeface="Times New Roman" panose="02020603050405020304" pitchFamily="18" charset="0"/>
+            </a:endParaRPr>
+          </a:p>
+          <a:p>
+            <a:endParaRPr lang="en-US" sz="2400" dirty="0">
+              <a:solidFill>
+                <a:srgbClr val="00B050"/>
+              </a:solidFill>
+              <a:latin typeface="Times New Roman" panose="02020603050405020304" pitchFamily="18" charset="0"/>
+              <a:cs typeface="Times New Roman" panose="02020603050405020304" pitchFamily="18" charset="0"/>
+            </a:endParaRPr>
+          </a:p>
+          <a:p>
+            <a:r>
+              <a:rPr lang="en-US" sz="2400" dirty="0" smtClean="0">
+                <a:solidFill>
+                  <a:srgbClr val="00B050"/>
+                </a:solidFill>
+                <a:latin typeface="Times New Roman" panose="02020603050405020304" pitchFamily="18" charset="0"/>
+                <a:cs typeface="Times New Roman" panose="02020603050405020304" pitchFamily="18" charset="0"/>
+              </a:rPr>
+              <a:t>2.   In each set of questions , questions are randomly generated.</a:t>
+            </a:r>
+          </a:p>
+          <a:p>
+            <a:endParaRPr lang="en-US" sz="2400" dirty="0">
+              <a:solidFill>
+                <a:srgbClr val="00B050"/>
+              </a:solidFill>
+              <a:latin typeface="Times New Roman" panose="02020603050405020304" pitchFamily="18" charset="0"/>
+              <a:cs typeface="Times New Roman" panose="02020603050405020304" pitchFamily="18" charset="0"/>
+            </a:endParaRPr>
+          </a:p>
+          <a:p>
+            <a:r>
+              <a:rPr lang="en-US" sz="2400" dirty="0" smtClean="0">
+                <a:solidFill>
+                  <a:srgbClr val="00B050"/>
+                </a:solidFill>
+                <a:latin typeface="Times New Roman" panose="02020603050405020304" pitchFamily="18" charset="0"/>
+                <a:cs typeface="Times New Roman" panose="02020603050405020304" pitchFamily="18" charset="0"/>
+              </a:rPr>
+              <a:t>3.  User give their choice and get a response.</a:t>
+            </a:r>
+            <a:endParaRPr lang="en-US" sz="2400" dirty="0" smtClean="0">
+              <a:solidFill>
+                <a:srgbClr val="00B050"/>
+              </a:solidFill>
+              <a:latin typeface="Times New Roman" panose="02020603050405020304" pitchFamily="18" charset="0"/>
+              <a:cs typeface="Times New Roman" panose="02020603050405020304" pitchFamily="18" charset="0"/>
+            </a:endParaRPr>
+          </a:p>
+          <a:p>
+            <a:endParaRPr lang="en-US" sz="2400" dirty="0">
+              <a:latin typeface="Times New Roman" panose="02020603050405020304" pitchFamily="18" charset="0"/>
+              <a:cs typeface="Times New Roman" panose="02020603050405020304" pitchFamily="18" charset="0"/>
+            </a:endParaRPr>
+          </a:p>
+          <a:p>
+            <a:pPr marL="457200" indent="-457200">
+              <a:buAutoNum type="arabicPeriod" startAt="4"/>
+            </a:pPr>
+            <a:r>
+              <a:rPr lang="en-US" sz="2400" dirty="0" smtClean="0">
+                <a:solidFill>
+                  <a:srgbClr val="FF0000"/>
+                </a:solidFill>
+                <a:latin typeface="Times New Roman" panose="02020603050405020304" pitchFamily="18" charset="0"/>
+                <a:cs typeface="Times New Roman" panose="02020603050405020304" pitchFamily="18" charset="0"/>
+              </a:rPr>
+              <a:t>Question generating using </a:t>
+            </a:r>
+            <a:r>
+              <a:rPr lang="en-US" sz="2400" dirty="0" err="1" smtClean="0">
+                <a:solidFill>
+                  <a:srgbClr val="FF0000"/>
+                </a:solidFill>
+                <a:latin typeface="Times New Roman" panose="02020603050405020304" pitchFamily="18" charset="0"/>
+                <a:cs typeface="Times New Roman" panose="02020603050405020304" pitchFamily="18" charset="0"/>
+              </a:rPr>
+              <a:t>Rasch</a:t>
+            </a:r>
+            <a:r>
+              <a:rPr lang="en-US" sz="2400" dirty="0" smtClean="0">
+                <a:solidFill>
+                  <a:srgbClr val="FF0000"/>
+                </a:solidFill>
+                <a:latin typeface="Times New Roman" panose="02020603050405020304" pitchFamily="18" charset="0"/>
+                <a:cs typeface="Times New Roman" panose="02020603050405020304" pitchFamily="18" charset="0"/>
+              </a:rPr>
+              <a:t> Algorithm and Monte Carlo     Algorithm</a:t>
+            </a:r>
+          </a:p>
+          <a:p>
+            <a:pPr marL="457200" indent="-457200">
+              <a:buAutoNum type="arabicPeriod" startAt="4"/>
+            </a:pPr>
+            <a:endParaRPr lang="en-US" sz="2400" dirty="0">
+              <a:solidFill>
+                <a:srgbClr val="FF0000"/>
+              </a:solidFill>
+              <a:latin typeface="Times New Roman" panose="02020603050405020304" pitchFamily="18" charset="0"/>
+              <a:cs typeface="Times New Roman" panose="02020603050405020304" pitchFamily="18" charset="0"/>
+            </a:endParaRPr>
+          </a:p>
+          <a:p>
+            <a:pPr marL="457200" indent="-457200">
+              <a:buAutoNum type="arabicPeriod" startAt="4"/>
+            </a:pPr>
+            <a:r>
+              <a:rPr lang="en-US" sz="2400" dirty="0" smtClean="0">
+                <a:solidFill>
+                  <a:srgbClr val="FF0000"/>
+                </a:solidFill>
+                <a:latin typeface="Times New Roman" panose="02020603050405020304" pitchFamily="18" charset="0"/>
+                <a:cs typeface="Times New Roman" panose="02020603050405020304" pitchFamily="18" charset="0"/>
+              </a:rPr>
+              <a:t>Showing the Performance or Grade</a:t>
+            </a:r>
+          </a:p>
+          <a:p>
+            <a:pPr marL="457200" indent="-457200">
+              <a:buAutoNum type="arabicPeriod"/>
+            </a:pPr>
+            <a:endParaRPr lang="en-US" sz="2400" dirty="0">
+              <a:solidFill>
+                <a:srgbClr val="FF0000"/>
+              </a:solidFill>
+              <a:latin typeface="Times New Roman" panose="02020603050405020304" pitchFamily="18" charset="0"/>
+              <a:cs typeface="Times New Roman" panose="02020603050405020304" pitchFamily="18" charset="0"/>
+            </a:endParaRPr>
           </a:p>
           <a:p>
             <a:pPr marL="457200" indent="-457200">
               <a:buAutoNum type="arabicPeriod"/>
             </a:pPr>
             <a:endParaRPr lang="en-US" sz="2400" dirty="0" smtClean="0">
+              <a:solidFill>
+                <a:srgbClr val="FF0000"/>
+              </a:solidFill>
               <a:latin typeface="Times New Roman" panose="02020603050405020304" pitchFamily="18" charset="0"/>
               <a:cs typeface="Times New Roman" panose="02020603050405020304" pitchFamily="18" charset="0"/>
             </a:endParaRPr>
           </a:p>
-          <a:p>
-            <a:pPr marL="457200" indent="-457200">
-              <a:buAutoNum type="arabicPeriod"/>
-            </a:pPr>
-            <a:r>
-              <a:rPr lang="en-US" sz="2400" dirty="0" smtClean="0">
+        </p:txBody>
+      </p:sp>
+      <p:sp>
+        <p:nvSpPr>
+          <p:cNvPr id="3" name="TextBox 2"/>
+          <p:cNvSpPr txBox="1"/>
+          <p:nvPr/>
+        </p:nvSpPr>
+        <p:spPr>
+          <a:xfrm>
+            <a:off x="1390919" y="6078828"/>
+            <a:ext cx="8796270" cy="369332"/>
+          </a:xfrm>
+          <a:prstGeom prst="rect">
+            <a:avLst/>
+          </a:prstGeom>
+          <a:noFill/>
+        </p:spPr>
+        <p:txBody>
+          <a:bodyPr wrap="square" rtlCol="0">
+            <a:spAutoFit/>
+          </a:bodyPr>
+          <a:lstStyle/>
+          <a:p>
+            <a:r>
+              <a:rPr lang="en-US" dirty="0" err="1" smtClean="0">
+                <a:solidFill>
+                  <a:schemeClr val="accent2">
+                    <a:lumMod val="50000"/>
+                  </a:schemeClr>
+                </a:solidFill>
                 <a:latin typeface="Times New Roman" panose="02020603050405020304" pitchFamily="18" charset="0"/>
                 <a:cs typeface="Times New Roman" panose="02020603050405020304" pitchFamily="18" charset="0"/>
               </a:rPr>
-              <a:t>Questions will stored in file</a:t>
-            </a:r>
-          </a:p>
-          <a:p>
-            <a:pPr marL="457200" indent="-457200">
-              <a:buAutoNum type="arabicPeriod"/>
-            </a:pPr>
-            <a:endParaRPr lang="en-US" sz="2400" dirty="0" smtClean="0">
-              <a:latin typeface="Times New Roman" panose="02020603050405020304" pitchFamily="18" charset="0"/>
-              <a:cs typeface="Times New Roman" panose="02020603050405020304" pitchFamily="18" charset="0"/>
-            </a:endParaRPr>
-          </a:p>
-          <a:p>
-            <a:pPr marL="457200" indent="-457200">
-              <a:buAutoNum type="arabicPeriod"/>
-            </a:pPr>
-            <a:r>
-              <a:rPr lang="en-US" sz="2400" dirty="0" smtClean="0">
+              <a:t>Github</a:t>
+            </a:r>
+            <a:r>
+              <a:rPr lang="en-US" dirty="0" smtClean="0">
+                <a:solidFill>
+                  <a:schemeClr val="accent2">
+                    <a:lumMod val="50000"/>
+                  </a:schemeClr>
+                </a:solidFill>
                 <a:latin typeface="Times New Roman" panose="02020603050405020304" pitchFamily="18" charset="0"/>
                 <a:cs typeface="Times New Roman" panose="02020603050405020304" pitchFamily="18" charset="0"/>
               </a:rPr>
-              <a:t>There will be easy , medium , hard </a:t>
-            </a:r>
-            <a:r>
-              <a:rPr lang="en-US" sz="2400" smtClean="0">
+              <a:t> link of </a:t>
+            </a:r>
+            <a:r>
+              <a:rPr lang="en-US" dirty="0">
+                <a:solidFill>
+                  <a:schemeClr val="accent2">
+                    <a:lumMod val="50000"/>
+                  </a:schemeClr>
+                </a:solidFill>
                 <a:latin typeface="Times New Roman" panose="02020603050405020304" pitchFamily="18" charset="0"/>
                 <a:cs typeface="Times New Roman" panose="02020603050405020304" pitchFamily="18" charset="0"/>
               </a:rPr>
-              <a:t>and super hard </a:t>
-            </a:r>
-            <a:r>
-              <a:rPr lang="en-US" sz="2400" dirty="0" smtClean="0">
-                <a:latin typeface="Times New Roman" panose="02020603050405020304" pitchFamily="18" charset="0"/>
-                <a:cs typeface="Times New Roman" panose="02020603050405020304" pitchFamily="18" charset="0"/>
-              </a:rPr>
-              <a:t>question.</a:t>
-            </a:r>
-          </a:p>
-          <a:p>
-            <a:pPr marL="457200" indent="-457200">
-              <a:buAutoNum type="arabicPeriod"/>
-            </a:pPr>
-            <a:endParaRPr lang="en-US" sz="2400" dirty="0" smtClean="0">
-              <a:latin typeface="Times New Roman" panose="02020603050405020304" pitchFamily="18" charset="0"/>
-              <a:cs typeface="Times New Roman" panose="02020603050405020304" pitchFamily="18" charset="0"/>
-            </a:endParaRPr>
-          </a:p>
-          <a:p>
-            <a:pPr marL="457200" indent="-457200">
-              <a:buAutoNum type="arabicPeriod"/>
-            </a:pPr>
-            <a:r>
-              <a:rPr lang="en-US" sz="2400" dirty="0" smtClean="0">
-                <a:latin typeface="Times New Roman" panose="02020603050405020304" pitchFamily="18" charset="0"/>
-                <a:cs typeface="Times New Roman" panose="02020603050405020304" pitchFamily="18" charset="0"/>
-              </a:rPr>
-              <a:t>Read files and randomly take a question</a:t>
-            </a:r>
-          </a:p>
-          <a:p>
-            <a:pPr marL="457200" indent="-457200">
-              <a:buAutoNum type="arabicPeriod"/>
-            </a:pPr>
-            <a:endParaRPr lang="en-US" sz="2400" dirty="0" smtClean="0">
-              <a:latin typeface="Times New Roman" panose="02020603050405020304" pitchFamily="18" charset="0"/>
-              <a:cs typeface="Times New Roman" panose="02020603050405020304" pitchFamily="18" charset="0"/>
-            </a:endParaRPr>
-          </a:p>
-          <a:p>
-            <a:pPr marL="457200" indent="-457200">
-              <a:buAutoNum type="arabicPeriod"/>
-            </a:pPr>
-            <a:r>
-              <a:rPr lang="en-US" sz="2400" dirty="0" smtClean="0">
-                <a:latin typeface="Times New Roman" panose="02020603050405020304" pitchFamily="18" charset="0"/>
-                <a:cs typeface="Times New Roman" panose="02020603050405020304" pitchFamily="18" charset="0"/>
-              </a:rPr>
-              <a:t>By the response nest question will be generated</a:t>
-            </a:r>
-            <a:endParaRPr lang="en-US" sz="2400" dirty="0">
-              <a:latin typeface="Times New Roman" panose="02020603050405020304" pitchFamily="18" charset="0"/>
-              <a:cs typeface="Times New Roman" panose="02020603050405020304" pitchFamily="18" charset="0"/>
-            </a:endParaRPr>
+              <a:t>the project  : https://github.com/meKhairul/SPL---1</a:t>
+            </a:r>
           </a:p>
         </p:txBody>
       </p:sp>
@@ -8812,6 +10041,306 @@
   <p:clrMapOvr>
     <a:masterClrMapping/>
   </p:clrMapOvr>
+  <p:timing>
+    <p:tnLst>
+      <p:par>
+        <p:cTn id="1" dur="indefinite" restart="never" nodeType="tmRoot"/>
+      </p:par>
+    </p:tnLst>
+  </p:timing>
+</p:sld>
+</file>
+
+<file path=ppt/slides/slide8.xml><?xml version="1.0" encoding="utf-8"?>
+<p:sld xmlns:a="http://schemas.openxmlformats.org/drawingml/2006/main" xmlns:r="http://schemas.openxmlformats.org/officeDocument/2006/relationships" xmlns:p="http://schemas.openxmlformats.org/presentationml/2006/main">
+  <p:cSld>
+    <p:spTree>
+      <p:nvGrpSpPr>
+        <p:cNvPr id="1" name=""/>
+        <p:cNvGrpSpPr/>
+        <p:nvPr/>
+      </p:nvGrpSpPr>
+      <p:grpSpPr>
+        <a:xfrm>
+          <a:off x="0" y="0"/>
+          <a:ext cx="0" cy="0"/>
+          <a:chOff x="0" y="0"/>
+          <a:chExt cx="0" cy="0"/>
+        </a:xfrm>
+      </p:grpSpPr>
+      <p:pic>
+        <p:nvPicPr>
+          <p:cNvPr id="4" name="Picture 3"/>
+          <p:cNvPicPr>
+            <a:picLocks noChangeAspect="1"/>
+          </p:cNvPicPr>
+          <p:nvPr/>
+        </p:nvPicPr>
+        <p:blipFill>
+          <a:blip r:embed="rId2">
+            <a:extLst>
+              <a:ext uri="{28A0092B-C50C-407E-A947-70E740481C1C}">
+                <a14:useLocalDpi xmlns:a14="http://schemas.microsoft.com/office/drawing/2010/main" val="0"/>
+              </a:ext>
+            </a:extLst>
+          </a:blip>
+          <a:stretch>
+            <a:fillRect/>
+          </a:stretch>
+        </p:blipFill>
+        <p:spPr>
+          <a:xfrm>
+            <a:off x="1292346" y="1437620"/>
+            <a:ext cx="5224363" cy="5310910"/>
+          </a:xfrm>
+          <a:prstGeom prst="rect">
+            <a:avLst/>
+          </a:prstGeom>
+        </p:spPr>
+      </p:pic>
+      <p:sp>
+        <p:nvSpPr>
+          <p:cNvPr id="5" name="TextBox 4"/>
+          <p:cNvSpPr txBox="1"/>
+          <p:nvPr/>
+        </p:nvSpPr>
+        <p:spPr>
+          <a:xfrm>
+            <a:off x="2281790" y="515155"/>
+            <a:ext cx="3245476" cy="523220"/>
+          </a:xfrm>
+          <a:prstGeom prst="rect">
+            <a:avLst/>
+          </a:prstGeom>
+          <a:noFill/>
+        </p:spPr>
+        <p:txBody>
+          <a:bodyPr wrap="square" rtlCol="0">
+            <a:spAutoFit/>
+          </a:bodyPr>
+          <a:lstStyle/>
+          <a:p>
+            <a:pPr algn="ctr"/>
+            <a:r>
+              <a:rPr lang="en-US" sz="2800" dirty="0" smtClean="0">
+                <a:solidFill>
+                  <a:schemeClr val="accent2"/>
+                </a:solidFill>
+                <a:latin typeface="Times New Roman" panose="02020603050405020304" pitchFamily="18" charset="0"/>
+                <a:cs typeface="Times New Roman" panose="02020603050405020304" pitchFamily="18" charset="0"/>
+              </a:rPr>
+              <a:t>Reading Files</a:t>
+            </a:r>
+            <a:endParaRPr lang="en-US" sz="2800" dirty="0">
+              <a:solidFill>
+                <a:schemeClr val="accent2"/>
+              </a:solidFill>
+              <a:latin typeface="Times New Roman" panose="02020603050405020304" pitchFamily="18" charset="0"/>
+              <a:cs typeface="Times New Roman" panose="02020603050405020304" pitchFamily="18" charset="0"/>
+            </a:endParaRPr>
+          </a:p>
+        </p:txBody>
+      </p:sp>
+      <p:pic>
+        <p:nvPicPr>
+          <p:cNvPr id="6" name="Picture 5"/>
+          <p:cNvPicPr>
+            <a:picLocks noChangeAspect="1"/>
+          </p:cNvPicPr>
+          <p:nvPr/>
+        </p:nvPicPr>
+        <p:blipFill>
+          <a:blip r:embed="rId3">
+            <a:extLst>
+              <a:ext uri="{28A0092B-C50C-407E-A947-70E740481C1C}">
+                <a14:useLocalDpi xmlns:a14="http://schemas.microsoft.com/office/drawing/2010/main" val="0"/>
+              </a:ext>
+            </a:extLst>
+          </a:blip>
+          <a:stretch>
+            <a:fillRect/>
+          </a:stretch>
+        </p:blipFill>
+        <p:spPr>
+          <a:xfrm>
+            <a:off x="6941713" y="1437620"/>
+            <a:ext cx="5087155" cy="5310910"/>
+          </a:xfrm>
+          <a:prstGeom prst="rect">
+            <a:avLst/>
+          </a:prstGeom>
+        </p:spPr>
+      </p:pic>
+      <p:sp>
+        <p:nvSpPr>
+          <p:cNvPr id="7" name="TextBox 6"/>
+          <p:cNvSpPr txBox="1"/>
+          <p:nvPr/>
+        </p:nvSpPr>
+        <p:spPr>
+          <a:xfrm>
+            <a:off x="7147775" y="515155"/>
+            <a:ext cx="5044225" cy="523220"/>
+          </a:xfrm>
+          <a:prstGeom prst="rect">
+            <a:avLst/>
+          </a:prstGeom>
+          <a:noFill/>
+        </p:spPr>
+        <p:txBody>
+          <a:bodyPr wrap="square" rtlCol="0">
+            <a:spAutoFit/>
+          </a:bodyPr>
+          <a:lstStyle/>
+          <a:p>
+            <a:pPr algn="ctr"/>
+            <a:r>
+              <a:rPr lang="en-US" sz="2800" dirty="0" smtClean="0">
+                <a:solidFill>
+                  <a:schemeClr val="accent2"/>
+                </a:solidFill>
+                <a:latin typeface="Times New Roman" panose="02020603050405020304" pitchFamily="18" charset="0"/>
+                <a:cs typeface="Times New Roman" panose="02020603050405020304" pitchFamily="18" charset="0"/>
+              </a:rPr>
+              <a:t>Test System</a:t>
+            </a:r>
+            <a:endParaRPr lang="en-US" sz="2800" dirty="0">
+              <a:solidFill>
+                <a:schemeClr val="accent2"/>
+              </a:solidFill>
+              <a:latin typeface="Times New Roman" panose="02020603050405020304" pitchFamily="18" charset="0"/>
+              <a:cs typeface="Times New Roman" panose="02020603050405020304" pitchFamily="18" charset="0"/>
+            </a:endParaRPr>
+          </a:p>
+        </p:txBody>
+      </p:sp>
+    </p:spTree>
+    <p:extLst>
+      <p:ext uri="{BB962C8B-B14F-4D97-AF65-F5344CB8AC3E}">
+        <p14:creationId xmlns:p14="http://schemas.microsoft.com/office/powerpoint/2010/main" val="719049445"/>
+      </p:ext>
+    </p:extLst>
+  </p:cSld>
+  <p:clrMapOvr>
+    <a:masterClrMapping/>
+  </p:clrMapOvr>
+  <p:timing>
+    <p:tnLst>
+      <p:par>
+        <p:cTn id="1" dur="indefinite" restart="never" nodeType="tmRoot"/>
+      </p:par>
+    </p:tnLst>
+  </p:timing>
+</p:sld>
+</file>
+
+<file path=ppt/slides/slide9.xml><?xml version="1.0" encoding="utf-8"?>
+<p:sld xmlns:a="http://schemas.openxmlformats.org/drawingml/2006/main" xmlns:r="http://schemas.openxmlformats.org/officeDocument/2006/relationships" xmlns:p="http://schemas.openxmlformats.org/presentationml/2006/main">
+  <p:cSld>
+    <p:spTree>
+      <p:nvGrpSpPr>
+        <p:cNvPr id="1" name=""/>
+        <p:cNvGrpSpPr/>
+        <p:nvPr/>
+      </p:nvGrpSpPr>
+      <p:grpSpPr>
+        <a:xfrm>
+          <a:off x="0" y="0"/>
+          <a:ext cx="0" cy="0"/>
+          <a:chOff x="0" y="0"/>
+          <a:chExt cx="0" cy="0"/>
+        </a:xfrm>
+      </p:grpSpPr>
+      <p:pic>
+        <p:nvPicPr>
+          <p:cNvPr id="4" name="Picture 3"/>
+          <p:cNvPicPr>
+            <a:picLocks noChangeAspect="1"/>
+          </p:cNvPicPr>
+          <p:nvPr/>
+        </p:nvPicPr>
+        <p:blipFill>
+          <a:blip r:embed="rId2">
+            <a:extLst>
+              <a:ext uri="{28A0092B-C50C-407E-A947-70E740481C1C}">
+                <a14:useLocalDpi xmlns:a14="http://schemas.microsoft.com/office/drawing/2010/main" val="0"/>
+              </a:ext>
+            </a:extLst>
+          </a:blip>
+          <a:stretch>
+            <a:fillRect/>
+          </a:stretch>
+        </p:blipFill>
+        <p:spPr>
+          <a:xfrm>
+            <a:off x="1841680" y="1532586"/>
+            <a:ext cx="9607638" cy="5106926"/>
+          </a:xfrm>
+          <a:prstGeom prst="rect">
+            <a:avLst/>
+          </a:prstGeom>
+        </p:spPr>
+      </p:pic>
+      <p:sp>
+        <p:nvSpPr>
+          <p:cNvPr id="5" name="TextBox 4"/>
+          <p:cNvSpPr txBox="1"/>
+          <p:nvPr/>
+        </p:nvSpPr>
+        <p:spPr>
+          <a:xfrm>
+            <a:off x="3277673" y="489397"/>
+            <a:ext cx="6735651" cy="646331"/>
+          </a:xfrm>
+          <a:prstGeom prst="rect">
+            <a:avLst/>
+          </a:prstGeom>
+          <a:noFill/>
+        </p:spPr>
+        <p:txBody>
+          <a:bodyPr wrap="square" rtlCol="0">
+            <a:spAutoFit/>
+          </a:bodyPr>
+          <a:lstStyle/>
+          <a:p>
+            <a:pPr algn="ctr"/>
+            <a:r>
+              <a:rPr lang="en-US" sz="3600" b="1" u="sng" dirty="0" smtClean="0">
+                <a:solidFill>
+                  <a:schemeClr val="accent2"/>
+                </a:solidFill>
+                <a:latin typeface="Times New Roman" panose="02020603050405020304" pitchFamily="18" charset="0"/>
+                <a:cs typeface="Times New Roman" panose="02020603050405020304" pitchFamily="18" charset="0"/>
+              </a:rPr>
+              <a:t>Output</a:t>
+            </a:r>
+            <a:endParaRPr lang="en-US" sz="3600" b="1" u="sng" dirty="0">
+              <a:solidFill>
+                <a:schemeClr val="accent2"/>
+              </a:solidFill>
+              <a:latin typeface="Times New Roman" panose="02020603050405020304" pitchFamily="18" charset="0"/>
+              <a:cs typeface="Times New Roman" panose="02020603050405020304" pitchFamily="18" charset="0"/>
+            </a:endParaRPr>
+          </a:p>
+        </p:txBody>
+      </p:sp>
+    </p:spTree>
+    <p:extLst>
+      <p:ext uri="{BB962C8B-B14F-4D97-AF65-F5344CB8AC3E}">
+        <p14:creationId xmlns:p14="http://schemas.microsoft.com/office/powerpoint/2010/main" val="1581187504"/>
+      </p:ext>
+    </p:extLst>
+  </p:cSld>
+  <p:clrMapOvr>
+    <a:masterClrMapping/>
+  </p:clrMapOvr>
+  <p:timing>
+    <p:tnLst>
+      <p:par>
+        <p:cTn id="1" dur="indefinite" restart="never" nodeType="tmRoot"/>
+      </p:par>
+    </p:tnLst>
+  </p:timing>
 </p:sld>
 </file>
 
@@ -8826,34 +10355,34 @@
         <a:sysClr val="window" lastClr="FFFFFF"/>
       </a:lt1>
       <a:dk2>
-        <a:srgbClr val="766F54"/>
+        <a:srgbClr val="2E5369"/>
       </a:dk2>
       <a:lt2>
-        <a:srgbClr val="E3EACF"/>
+        <a:srgbClr val="CFE2E7"/>
       </a:lt2>
       <a:accent1>
-        <a:srgbClr val="A53010"/>
+        <a:srgbClr val="353535"/>
       </a:accent1>
       <a:accent2>
-        <a:srgbClr val="DE7E18"/>
+        <a:srgbClr val="31B4E6"/>
       </a:accent2>
       <a:accent3>
-        <a:srgbClr val="9F8351"/>
+        <a:srgbClr val="265991"/>
       </a:accent3>
       <a:accent4>
-        <a:srgbClr val="728653"/>
+        <a:srgbClr val="7E40CC"/>
       </a:accent4>
       <a:accent5>
-        <a:srgbClr val="92AA4C"/>
+        <a:srgbClr val="B927E9"/>
       </a:accent5>
       <a:accent6>
-        <a:srgbClr val="6AAC91"/>
+        <a:srgbClr val="E833BF"/>
       </a:accent6>
       <a:hlink>
-        <a:srgbClr val="FB4A18"/>
+        <a:srgbClr val="2DA0F1"/>
       </a:hlink>
       <a:folHlink>
-        <a:srgbClr val="FB9318"/>
+        <a:srgbClr val="7ED1E6"/>
       </a:folHlink>
     </a:clrScheme>
     <a:fontScheme name="Wisp">
@@ -9052,7 +10581,7 @@
   <a:extraClrSchemeLst/>
   <a:extLst>
     <a:ext uri="{05A4C25C-085E-4340-85A3-A5531E510DB2}">
-      <thm15:themeFamily xmlns:thm15="http://schemas.microsoft.com/office/thememl/2012/main" name="Wisp" id="{7CB32D59-10C0-40DD-B7BD-2E94284A981C}" vid="{24B1A44C-C006-48B2-A4D7-E5549B3D8CD4}"/>
+      <thm15:themeFamily xmlns:thm15="http://schemas.microsoft.com/office/thememl/2012/main" name="Wisp" id="{7CB32D59-10C0-40DD-B7BD-2E94284A981C}" vid="{4F34B87B-9C7A-41AE-A6CB-48536223DFFD}"/>
     </a:ext>
   </a:extLst>
 </a:theme>

--- a/Computerized Adaptive Test System.pptx
+++ b/Computerized Adaptive Test System.pptx
@@ -17,7 +17,6 @@
     <p:sldId id="263" r:id="rId11"/>
     <p:sldId id="265" r:id="rId12"/>
     <p:sldId id="266" r:id="rId13"/>
-    <p:sldId id="260" r:id="rId14"/>
   </p:sldIdLst>
   <p:sldSz cx="12192000" cy="6858000"/>
   <p:notesSz cx="6858000" cy="9144000"/>
@@ -313,7 +312,7 @@
             <a:fld id="{B61BEF0D-F0BB-DE4B-95CE-6DB70DBA9567}" type="datetimeFigureOut">
               <a:rPr lang="en-US" smtClean="0"/>
               <a:pPr/>
-              <a:t>3/11/2020</a:t>
+              <a:t>3/12/2020</a:t>
             </a:fld>
             <a:endParaRPr lang="en-US" dirty="0"/>
           </a:p>
@@ -653,7 +652,7 @@
             <a:fld id="{B61BEF0D-F0BB-DE4B-95CE-6DB70DBA9567}" type="datetimeFigureOut">
               <a:rPr lang="en-US" smtClean="0"/>
               <a:pPr/>
-              <a:t>3/11/2020</a:t>
+              <a:t>3/12/2020</a:t>
             </a:fld>
             <a:endParaRPr lang="en-US" dirty="0"/>
           </a:p>
@@ -1056,7 +1055,7 @@
             <a:fld id="{B61BEF0D-F0BB-DE4B-95CE-6DB70DBA9567}" type="datetimeFigureOut">
               <a:rPr lang="en-US" smtClean="0"/>
               <a:pPr/>
-              <a:t>3/11/2020</a:t>
+              <a:t>3/12/2020</a:t>
             </a:fld>
             <a:endParaRPr lang="en-US" dirty="0"/>
           </a:p>
@@ -1394,7 +1393,7 @@
             <a:fld id="{B61BEF0D-F0BB-DE4B-95CE-6DB70DBA9567}" type="datetimeFigureOut">
               <a:rPr lang="en-US" smtClean="0"/>
               <a:pPr/>
-              <a:t>3/11/2020</a:t>
+              <a:t>3/12/2020</a:t>
             </a:fld>
             <a:endParaRPr lang="en-US" dirty="0"/>
           </a:p>
@@ -1716,7 +1715,7 @@
             <a:fld id="{B61BEF0D-F0BB-DE4B-95CE-6DB70DBA9567}" type="datetimeFigureOut">
               <a:rPr lang="en-US" smtClean="0"/>
               <a:pPr/>
-              <a:t>3/11/2020</a:t>
+              <a:t>3/12/2020</a:t>
             </a:fld>
             <a:endParaRPr lang="en-US" dirty="0"/>
           </a:p>
@@ -2114,7 +2113,7 @@
             <a:fld id="{B61BEF0D-F0BB-DE4B-95CE-6DB70DBA9567}" type="datetimeFigureOut">
               <a:rPr lang="en-US" smtClean="0"/>
               <a:pPr/>
-              <a:t>3/11/2020</a:t>
+              <a:t>3/12/2020</a:t>
             </a:fld>
             <a:endParaRPr lang="en-US" dirty="0"/>
           </a:p>
@@ -2373,7 +2372,7 @@
             <a:fld id="{B61BEF0D-F0BB-DE4B-95CE-6DB70DBA9567}" type="datetimeFigureOut">
               <a:rPr lang="en-US" smtClean="0"/>
               <a:pPr/>
-              <a:t>3/11/2020</a:t>
+              <a:t>3/12/2020</a:t>
             </a:fld>
             <a:endParaRPr lang="en-US" dirty="0"/>
           </a:p>
@@ -2637,7 +2636,7 @@
             <a:fld id="{B61BEF0D-F0BB-DE4B-95CE-6DB70DBA9567}" type="datetimeFigureOut">
               <a:rPr lang="en-US" smtClean="0"/>
               <a:pPr/>
-              <a:t>3/11/2020</a:t>
+              <a:t>3/12/2020</a:t>
             </a:fld>
             <a:endParaRPr lang="en-US" dirty="0"/>
           </a:p>
@@ -2901,7 +2900,7 @@
             <a:fld id="{B61BEF0D-F0BB-DE4B-95CE-6DB70DBA9567}" type="datetimeFigureOut">
               <a:rPr lang="en-US" smtClean="0"/>
               <a:pPr/>
-              <a:t>3/11/2020</a:t>
+              <a:t>3/12/2020</a:t>
             </a:fld>
             <a:endParaRPr lang="en-US" dirty="0"/>
           </a:p>
@@ -3232,7 +3231,7 @@
             <a:fld id="{B61BEF0D-F0BB-DE4B-95CE-6DB70DBA9567}" type="datetimeFigureOut">
               <a:rPr lang="en-US" smtClean="0"/>
               <a:pPr/>
-              <a:t>3/11/2020</a:t>
+              <a:t>3/12/2020</a:t>
             </a:fld>
             <a:endParaRPr lang="en-US" dirty="0"/>
           </a:p>
@@ -3557,7 +3556,7 @@
             <a:fld id="{B61BEF0D-F0BB-DE4B-95CE-6DB70DBA9567}" type="datetimeFigureOut">
               <a:rPr lang="en-US" smtClean="0"/>
               <a:pPr/>
-              <a:t>3/11/2020</a:t>
+              <a:t>3/12/2020</a:t>
             </a:fld>
             <a:endParaRPr lang="en-US" dirty="0"/>
           </a:p>
@@ -4016,7 +4015,7 @@
             <a:fld id="{B61BEF0D-F0BB-DE4B-95CE-6DB70DBA9567}" type="datetimeFigureOut">
               <a:rPr lang="en-US" smtClean="0"/>
               <a:pPr/>
-              <a:t>3/11/2020</a:t>
+              <a:t>3/12/2020</a:t>
             </a:fld>
             <a:endParaRPr lang="en-US" dirty="0"/>
           </a:p>
@@ -4223,7 +4222,7 @@
             <a:fld id="{B61BEF0D-F0BB-DE4B-95CE-6DB70DBA9567}" type="datetimeFigureOut">
               <a:rPr lang="en-US" smtClean="0"/>
               <a:pPr/>
-              <a:t>3/11/2020</a:t>
+              <a:t>3/12/2020</a:t>
             </a:fld>
             <a:endParaRPr lang="en-US" dirty="0"/>
           </a:p>
@@ -4402,7 +4401,7 @@
             <a:fld id="{B61BEF0D-F0BB-DE4B-95CE-6DB70DBA9567}" type="datetimeFigureOut">
               <a:rPr lang="en-US" smtClean="0"/>
               <a:pPr/>
-              <a:t>3/11/2020</a:t>
+              <a:t>3/12/2020</a:t>
             </a:fld>
             <a:endParaRPr lang="en-US" dirty="0"/>
           </a:p>
@@ -4737,7 +4736,7 @@
             <a:fld id="{B61BEF0D-F0BB-DE4B-95CE-6DB70DBA9567}" type="datetimeFigureOut">
               <a:rPr lang="en-US" smtClean="0"/>
               <a:pPr/>
-              <a:t>3/11/2020</a:t>
+              <a:t>3/12/2020</a:t>
             </a:fld>
             <a:endParaRPr lang="en-US" dirty="0"/>
           </a:p>
@@ -5084,7 +5083,7 @@
             <a:fld id="{B61BEF0D-F0BB-DE4B-95CE-6DB70DBA9567}" type="datetimeFigureOut">
               <a:rPr lang="en-US" smtClean="0"/>
               <a:pPr/>
-              <a:t>3/11/2020</a:t>
+              <a:t>3/12/2020</a:t>
             </a:fld>
             <a:endParaRPr lang="en-US" dirty="0"/>
           </a:p>
@@ -7203,7 +7202,7 @@
             <a:fld id="{B61BEF0D-F0BB-DE4B-95CE-6DB70DBA9567}" type="datetimeFigureOut">
               <a:rPr lang="en-US" smtClean="0"/>
               <a:pPr/>
-              <a:t>3/11/2020</a:t>
+              <a:t>3/12/2020</a:t>
             </a:fld>
             <a:endParaRPr lang="en-US" dirty="0"/>
           </a:p>
@@ -8196,301 +8195,6 @@
 </p:sld>
 </file>
 
-<file path=ppt/slides/slide13.xml><?xml version="1.0" encoding="utf-8"?>
-<p:sld xmlns:a="http://schemas.openxmlformats.org/drawingml/2006/main" xmlns:r="http://schemas.openxmlformats.org/officeDocument/2006/relationships" xmlns:p="http://schemas.openxmlformats.org/presentationml/2006/main">
-  <p:cSld>
-    <p:spTree>
-      <p:nvGrpSpPr>
-        <p:cNvPr id="1" name=""/>
-        <p:cNvGrpSpPr/>
-        <p:nvPr/>
-      </p:nvGrpSpPr>
-      <p:grpSpPr>
-        <a:xfrm>
-          <a:off x="0" y="0"/>
-          <a:ext cx="0" cy="0"/>
-          <a:chOff x="0" y="0"/>
-          <a:chExt cx="0" cy="0"/>
-        </a:xfrm>
-      </p:grpSpPr>
-      <p:sp>
-        <p:nvSpPr>
-          <p:cNvPr id="5" name="TextBox 4"/>
-          <p:cNvSpPr txBox="1"/>
-          <p:nvPr/>
-        </p:nvSpPr>
-        <p:spPr>
-          <a:xfrm>
-            <a:off x="2408349" y="386366"/>
-            <a:ext cx="6452316" cy="584775"/>
-          </a:xfrm>
-          <a:prstGeom prst="rect">
-            <a:avLst/>
-          </a:prstGeom>
-          <a:noFill/>
-        </p:spPr>
-        <p:txBody>
-          <a:bodyPr wrap="square" rtlCol="0">
-            <a:spAutoFit/>
-          </a:bodyPr>
-          <a:lstStyle/>
-          <a:p>
-            <a:pPr algn="ctr"/>
-            <a:r>
-              <a:rPr lang="en-US" sz="3200" u="sng" dirty="0" err="1" smtClean="0">
-                <a:solidFill>
-                  <a:srgbClr val="00B0F0"/>
-                </a:solidFill>
-                <a:latin typeface="Times New Roman" panose="02020603050405020304" pitchFamily="18" charset="0"/>
-                <a:cs typeface="Times New Roman" panose="02020603050405020304" pitchFamily="18" charset="0"/>
-              </a:rPr>
-              <a:t>Inroduction</a:t>
-            </a:r>
-            <a:r>
-              <a:rPr lang="en-US" sz="3200" u="sng" dirty="0" smtClean="0">
-                <a:solidFill>
-                  <a:srgbClr val="00B0F0"/>
-                </a:solidFill>
-                <a:latin typeface="Times New Roman" panose="02020603050405020304" pitchFamily="18" charset="0"/>
-                <a:cs typeface="Times New Roman" panose="02020603050405020304" pitchFamily="18" charset="0"/>
-              </a:rPr>
-              <a:t> of the Project</a:t>
-            </a:r>
-            <a:endParaRPr lang="en-US" sz="3200" u="sng" dirty="0">
-              <a:solidFill>
-                <a:srgbClr val="00B0F0"/>
-              </a:solidFill>
-              <a:latin typeface="Times New Roman" panose="02020603050405020304" pitchFamily="18" charset="0"/>
-              <a:cs typeface="Times New Roman" panose="02020603050405020304" pitchFamily="18" charset="0"/>
-            </a:endParaRPr>
-          </a:p>
-        </p:txBody>
-      </p:sp>
-      <p:sp>
-        <p:nvSpPr>
-          <p:cNvPr id="2" name="TextBox 1"/>
-          <p:cNvSpPr txBox="1"/>
-          <p:nvPr/>
-        </p:nvSpPr>
-        <p:spPr>
-          <a:xfrm>
-            <a:off x="2640168" y="2034862"/>
-            <a:ext cx="8397025" cy="3416320"/>
-          </a:xfrm>
-          <a:prstGeom prst="rect">
-            <a:avLst/>
-          </a:prstGeom>
-          <a:noFill/>
-        </p:spPr>
-        <p:txBody>
-          <a:bodyPr wrap="square" rtlCol="0">
-            <a:spAutoFit/>
-          </a:bodyPr>
-          <a:lstStyle/>
-          <a:p>
-            <a:r>
-              <a:rPr lang="en-US" sz="2400" dirty="0" smtClean="0">
-                <a:latin typeface="Times New Roman" panose="02020603050405020304" pitchFamily="18" charset="0"/>
-                <a:cs typeface="Times New Roman" panose="02020603050405020304" pitchFamily="18" charset="0"/>
-              </a:rPr>
-              <a:t>1. The </a:t>
-            </a:r>
-            <a:r>
-              <a:rPr lang="en-US" sz="2400" dirty="0">
-                <a:latin typeface="Times New Roman" panose="02020603050405020304" pitchFamily="18" charset="0"/>
-                <a:cs typeface="Times New Roman" panose="02020603050405020304" pitchFamily="18" charset="0"/>
-              </a:rPr>
-              <a:t>program will consist </a:t>
-            </a:r>
-            <a:r>
-              <a:rPr lang="en-US" sz="2400" dirty="0" smtClean="0">
-                <a:latin typeface="Times New Roman" panose="02020603050405020304" pitchFamily="18" charset="0"/>
-                <a:cs typeface="Times New Roman" panose="02020603050405020304" pitchFamily="18" charset="0"/>
-              </a:rPr>
-              <a:t>some </a:t>
-            </a:r>
-            <a:r>
-              <a:rPr lang="en-US" sz="2400" dirty="0">
-                <a:latin typeface="Times New Roman" panose="02020603050405020304" pitchFamily="18" charset="0"/>
-                <a:cs typeface="Times New Roman" panose="02020603050405020304" pitchFamily="18" charset="0"/>
-              </a:rPr>
-              <a:t>specific set of questions on one topic or various topics. </a:t>
-            </a:r>
-            <a:endParaRPr lang="en-US" sz="2400" dirty="0" smtClean="0">
-              <a:latin typeface="Times New Roman" panose="02020603050405020304" pitchFamily="18" charset="0"/>
-              <a:cs typeface="Times New Roman" panose="02020603050405020304" pitchFamily="18" charset="0"/>
-            </a:endParaRPr>
-          </a:p>
-          <a:p>
-            <a:endParaRPr lang="en-US" sz="2400" dirty="0">
-              <a:latin typeface="Times New Roman" panose="02020603050405020304" pitchFamily="18" charset="0"/>
-              <a:cs typeface="Times New Roman" panose="02020603050405020304" pitchFamily="18" charset="0"/>
-            </a:endParaRPr>
-          </a:p>
-          <a:p>
-            <a:r>
-              <a:rPr lang="en-US" sz="2400" dirty="0" smtClean="0">
-                <a:latin typeface="Times New Roman" panose="02020603050405020304" pitchFamily="18" charset="0"/>
-                <a:cs typeface="Times New Roman" panose="02020603050405020304" pitchFamily="18" charset="0"/>
-              </a:rPr>
-              <a:t>2. By evaluating students ability , question set will be changed.</a:t>
-            </a:r>
-          </a:p>
-          <a:p>
-            <a:endParaRPr lang="en-US" sz="2400" dirty="0">
-              <a:latin typeface="Times New Roman" panose="02020603050405020304" pitchFamily="18" charset="0"/>
-              <a:cs typeface="Times New Roman" panose="02020603050405020304" pitchFamily="18" charset="0"/>
-            </a:endParaRPr>
-          </a:p>
-          <a:p>
-            <a:r>
-              <a:rPr lang="en-US" sz="2400" dirty="0" smtClean="0">
-                <a:latin typeface="Times New Roman" panose="02020603050405020304" pitchFamily="18" charset="0"/>
-                <a:cs typeface="Times New Roman" panose="02020603050405020304" pitchFamily="18" charset="0"/>
-              </a:rPr>
-              <a:t>3. The </a:t>
-            </a:r>
-            <a:r>
-              <a:rPr lang="en-US" sz="2400" dirty="0" smtClean="0">
-                <a:latin typeface="Times New Roman" panose="02020603050405020304" pitchFamily="18" charset="0"/>
-                <a:cs typeface="Times New Roman" panose="02020603050405020304" pitchFamily="18" charset="0"/>
-              </a:rPr>
-              <a:t>project will </a:t>
-            </a:r>
-            <a:r>
-              <a:rPr lang="en-US" sz="2400" dirty="0" smtClean="0">
-                <a:latin typeface="Times New Roman" panose="02020603050405020304" pitchFamily="18" charset="0"/>
-                <a:cs typeface="Times New Roman" panose="02020603050405020304" pitchFamily="18" charset="0"/>
-              </a:rPr>
-              <a:t>be implemented using </a:t>
-            </a:r>
-            <a:r>
-              <a:rPr lang="en-US" sz="2400" b="1" dirty="0" err="1" smtClean="0">
-                <a:solidFill>
-                  <a:srgbClr val="00B050"/>
-                </a:solidFill>
-                <a:latin typeface="Times New Roman" panose="02020603050405020304" pitchFamily="18" charset="0"/>
-                <a:cs typeface="Times New Roman" panose="02020603050405020304" pitchFamily="18" charset="0"/>
-              </a:rPr>
-              <a:t>Rasch</a:t>
-            </a:r>
-            <a:r>
-              <a:rPr lang="en-US" sz="2400" b="1" dirty="0" smtClean="0">
-                <a:solidFill>
-                  <a:srgbClr val="00B050"/>
-                </a:solidFill>
-                <a:latin typeface="Times New Roman" panose="02020603050405020304" pitchFamily="18" charset="0"/>
-                <a:cs typeface="Times New Roman" panose="02020603050405020304" pitchFamily="18" charset="0"/>
-              </a:rPr>
-              <a:t> </a:t>
-            </a:r>
-            <a:r>
-              <a:rPr lang="en-US" sz="2400" b="1" dirty="0">
-                <a:solidFill>
-                  <a:srgbClr val="00B050"/>
-                </a:solidFill>
-                <a:latin typeface="Times New Roman" panose="02020603050405020304" pitchFamily="18" charset="0"/>
-                <a:cs typeface="Times New Roman" panose="02020603050405020304" pitchFamily="18" charset="0"/>
-              </a:rPr>
-              <a:t>Algorithm</a:t>
-            </a:r>
-            <a:r>
-              <a:rPr lang="en-US" sz="2400" dirty="0">
-                <a:latin typeface="Times New Roman" panose="02020603050405020304" pitchFamily="18" charset="0"/>
-                <a:cs typeface="Times New Roman" panose="02020603050405020304" pitchFamily="18" charset="0"/>
-              </a:rPr>
-              <a:t> </a:t>
-            </a:r>
-            <a:r>
-              <a:rPr lang="en-US" sz="2400" dirty="0" smtClean="0">
-                <a:latin typeface="Times New Roman" panose="02020603050405020304" pitchFamily="18" charset="0"/>
-                <a:cs typeface="Times New Roman" panose="02020603050405020304" pitchFamily="18" charset="0"/>
-              </a:rPr>
-              <a:t>and </a:t>
-            </a:r>
-            <a:r>
-              <a:rPr lang="en-US" sz="2400" dirty="0">
-                <a:solidFill>
-                  <a:srgbClr val="00B050"/>
-                </a:solidFill>
-                <a:latin typeface="Times New Roman" panose="02020603050405020304" pitchFamily="18" charset="0"/>
-                <a:cs typeface="Times New Roman" panose="02020603050405020304" pitchFamily="18" charset="0"/>
-              </a:rPr>
-              <a:t>Monte Carlo </a:t>
-            </a:r>
-            <a:r>
-              <a:rPr lang="en-US" sz="2400" dirty="0" smtClean="0">
-                <a:solidFill>
-                  <a:srgbClr val="00B050"/>
-                </a:solidFill>
-                <a:latin typeface="Times New Roman" panose="02020603050405020304" pitchFamily="18" charset="0"/>
-                <a:cs typeface="Times New Roman" panose="02020603050405020304" pitchFamily="18" charset="0"/>
-              </a:rPr>
-              <a:t>Algorithm</a:t>
-            </a:r>
-            <a:r>
-              <a:rPr lang="en-US" sz="2400" dirty="0" smtClean="0">
-                <a:latin typeface="Times New Roman" panose="02020603050405020304" pitchFamily="18" charset="0"/>
-                <a:cs typeface="Times New Roman" panose="02020603050405020304" pitchFamily="18" charset="0"/>
-              </a:rPr>
-              <a:t>.</a:t>
-            </a:r>
-            <a:endParaRPr lang="en-US" sz="2400" dirty="0" smtClean="0">
-              <a:latin typeface="Times New Roman" panose="02020603050405020304" pitchFamily="18" charset="0"/>
-              <a:cs typeface="Times New Roman" panose="02020603050405020304" pitchFamily="18" charset="0"/>
-            </a:endParaRPr>
-          </a:p>
-          <a:p>
-            <a:endParaRPr lang="en-US" sz="2400" dirty="0">
-              <a:latin typeface="Times New Roman" panose="02020603050405020304" pitchFamily="18" charset="0"/>
-              <a:cs typeface="Times New Roman" panose="02020603050405020304" pitchFamily="18" charset="0"/>
-            </a:endParaRPr>
-          </a:p>
-          <a:p>
-            <a:r>
-              <a:rPr lang="en-US" sz="2400" dirty="0" smtClean="0">
-                <a:latin typeface="Times New Roman" panose="02020603050405020304" pitchFamily="18" charset="0"/>
-                <a:cs typeface="Times New Roman" panose="02020603050405020304" pitchFamily="18" charset="0"/>
-              </a:rPr>
-              <a:t> </a:t>
-            </a:r>
-            <a:r>
-              <a:rPr lang="en-US" sz="2400" dirty="0" smtClean="0">
-                <a:latin typeface="Times New Roman" panose="02020603050405020304" pitchFamily="18" charset="0"/>
-                <a:cs typeface="Times New Roman" panose="02020603050405020304" pitchFamily="18" charset="0"/>
-              </a:rPr>
-              <a:t>Finally , the </a:t>
-            </a:r>
-            <a:r>
-              <a:rPr lang="en-US" sz="2400" dirty="0">
-                <a:latin typeface="Times New Roman" panose="02020603050405020304" pitchFamily="18" charset="0"/>
-                <a:cs typeface="Times New Roman" panose="02020603050405020304" pitchFamily="18" charset="0"/>
-              </a:rPr>
-              <a:t>grade/performance of the user will be displayed.</a:t>
-            </a:r>
-          </a:p>
-        </p:txBody>
-      </p:sp>
-    </p:spTree>
-    <p:extLst>
-      <p:ext uri="{BB962C8B-B14F-4D97-AF65-F5344CB8AC3E}">
-        <p14:creationId xmlns:p14="http://schemas.microsoft.com/office/powerpoint/2010/main" val="3777484618"/>
-      </p:ext>
-    </p:extLst>
-  </p:cSld>
-  <p:clrMapOvr>
-    <a:masterClrMapping/>
-  </p:clrMapOvr>
-  <p:timing>
-    <p:tnLst>
-      <p:par>
-        <p:cTn id="1" dur="indefinite" restart="never" nodeType="tmRoot"/>
-      </p:par>
-    </p:tnLst>
-  </p:timing>
-</p:sld>
-</file>
-
 <file path=ppt/slides/slide2.xml><?xml version="1.0" encoding="utf-8"?>
 <p:sld xmlns:a="http://schemas.openxmlformats.org/drawingml/2006/main" xmlns:r="http://schemas.openxmlformats.org/officeDocument/2006/relationships" xmlns:p="http://schemas.openxmlformats.org/presentationml/2006/main">
   <p:cSld>
@@ -8784,14 +8488,7 @@
                 <a:latin typeface="Times New Roman" panose="02020603050405020304" pitchFamily="18" charset="0"/>
                 <a:cs typeface="Times New Roman" panose="02020603050405020304" pitchFamily="18" charset="0"/>
               </a:rPr>
-              <a:t> One kind of Computer </a:t>
-            </a:r>
-            <a:r>
-              <a:rPr lang="en-US" sz="2400" dirty="0" smtClean="0">
-                <a:latin typeface="Times New Roman" panose="02020603050405020304" pitchFamily="18" charset="0"/>
-                <a:cs typeface="Times New Roman" panose="02020603050405020304" pitchFamily="18" charset="0"/>
-              </a:rPr>
-              <a:t>Administered Test</a:t>
+              <a:t> One kind of Computer Administered Test</a:t>
             </a:r>
           </a:p>
           <a:p>
@@ -8812,26 +8509,8 @@
                 <a:latin typeface="Times New Roman" panose="02020603050405020304" pitchFamily="18" charset="0"/>
                 <a:cs typeface="Times New Roman" panose="02020603050405020304" pitchFamily="18" charset="0"/>
               </a:rPr>
-              <a:t> Adapts </a:t>
-            </a:r>
-            <a:r>
-              <a:rPr lang="en-US" sz="2400" dirty="0" smtClean="0">
-                <a:latin typeface="Times New Roman" panose="02020603050405020304" pitchFamily="18" charset="0"/>
-                <a:cs typeface="Times New Roman" panose="02020603050405020304" pitchFamily="18" charset="0"/>
-              </a:rPr>
-              <a:t>to the examinee’s </a:t>
-            </a:r>
-            <a:r>
-              <a:rPr lang="en-US" sz="2400" dirty="0" smtClean="0">
-                <a:latin typeface="Times New Roman" panose="02020603050405020304" pitchFamily="18" charset="0"/>
-                <a:cs typeface="Times New Roman" panose="02020603050405020304" pitchFamily="18" charset="0"/>
-              </a:rPr>
-              <a:t>ability</a:t>
-            </a:r>
-            <a:endParaRPr lang="en-US" sz="2400" dirty="0" smtClean="0">
-              <a:latin typeface="Times New Roman" panose="02020603050405020304" pitchFamily="18" charset="0"/>
-              <a:cs typeface="Times New Roman" panose="02020603050405020304" pitchFamily="18" charset="0"/>
-            </a:endParaRPr>
+              <a:t> Adapts to the examinee’s ability</a:t>
+            </a:r>
           </a:p>
           <a:p>
             <a:pPr marL="342900" indent="-342900">
@@ -8848,28 +8527,7 @@
                 <a:latin typeface="Times New Roman" panose="02020603050405020304" pitchFamily="18" charset="0"/>
                 <a:cs typeface="Times New Roman" panose="02020603050405020304" pitchFamily="18" charset="0"/>
               </a:rPr>
-              <a:t>3. </a:t>
-            </a:r>
-            <a:r>
-              <a:rPr lang="en-US" sz="2400" dirty="0" smtClean="0">
-                <a:latin typeface="Times New Roman" panose="02020603050405020304" pitchFamily="18" charset="0"/>
-                <a:cs typeface="Times New Roman" panose="02020603050405020304" pitchFamily="18" charset="0"/>
-              </a:rPr>
-              <a:t> Every time next </a:t>
-            </a:r>
-            <a:r>
-              <a:rPr lang="en-US" sz="2400" dirty="0" smtClean="0">
-                <a:latin typeface="Times New Roman" panose="02020603050405020304" pitchFamily="18" charset="0"/>
-                <a:cs typeface="Times New Roman" panose="02020603050405020304" pitchFamily="18" charset="0"/>
-              </a:rPr>
-              <a:t>item is selected by examinee’s </a:t>
-            </a:r>
-            <a:r>
-              <a:rPr lang="en-US" sz="2400" dirty="0" smtClean="0">
-                <a:latin typeface="Times New Roman" panose="02020603050405020304" pitchFamily="18" charset="0"/>
-                <a:cs typeface="Times New Roman" panose="02020603050405020304" pitchFamily="18" charset="0"/>
-              </a:rPr>
-              <a:t>  responses</a:t>
+              <a:t>3.  Every time next item is selected by examinee’s   responses</a:t>
             </a:r>
             <a:endParaRPr lang="en-US" sz="2400" dirty="0">
               <a:latin typeface="Times New Roman" panose="02020603050405020304" pitchFamily="18" charset="0"/>
@@ -9537,37 +9195,7 @@
                 <a:latin typeface="Times New Roman" panose="02020603050405020304" pitchFamily="18" charset="0"/>
                 <a:cs typeface="Times New Roman" panose="02020603050405020304" pitchFamily="18" charset="0"/>
               </a:rPr>
-              <a:t>Motive </a:t>
-            </a:r>
-            <a:r>
-              <a:rPr lang="en-US" sz="3200" b="1" u="sng" dirty="0" smtClean="0">
-                <a:solidFill>
-                  <a:srgbClr val="00B0F0"/>
-                </a:solidFill>
-                <a:latin typeface="Times New Roman" panose="02020603050405020304" pitchFamily="18" charset="0"/>
-                <a:cs typeface="Times New Roman" panose="02020603050405020304" pitchFamily="18" charset="0"/>
-              </a:rPr>
-              <a:t>of </a:t>
-            </a:r>
-            <a:r>
-              <a:rPr lang="en-US" sz="3200" b="1" u="sng" dirty="0" smtClean="0">
-                <a:solidFill>
-                  <a:srgbClr val="00B0F0"/>
-                </a:solidFill>
-                <a:latin typeface="Times New Roman" panose="02020603050405020304" pitchFamily="18" charset="0"/>
-                <a:cs typeface="Times New Roman" panose="02020603050405020304" pitchFamily="18" charset="0"/>
-              </a:rPr>
-              <a:t>the </a:t>
-            </a:r>
-            <a:r>
-              <a:rPr lang="en-US" sz="3200" b="1" u="sng" dirty="0" smtClean="0">
-                <a:solidFill>
-                  <a:srgbClr val="00B0F0"/>
-                </a:solidFill>
-                <a:latin typeface="Times New Roman" panose="02020603050405020304" pitchFamily="18" charset="0"/>
-                <a:cs typeface="Times New Roman" panose="02020603050405020304" pitchFamily="18" charset="0"/>
-              </a:rPr>
-              <a:t>Project </a:t>
+              <a:t>Motive of the Project </a:t>
             </a:r>
           </a:p>
           <a:p>
@@ -9768,6 +9396,8 @@
               </a:rPr>
               <a:t>Implementing Project</a:t>
             </a:r>
+          </a:p>
+          <a:p>
             <a:endParaRPr lang="en-US" sz="3200" dirty="0" smtClean="0">
               <a:solidFill>
                 <a:srgbClr val="00B0F0"/>
@@ -9777,15 +9407,6 @@
             </a:endParaRPr>
           </a:p>
           <a:p>
-            <a:endParaRPr lang="en-US" sz="3200" dirty="0" smtClean="0">
-              <a:solidFill>
-                <a:srgbClr val="00B0F0"/>
-              </a:solidFill>
-              <a:latin typeface="Times New Roman" panose="02020603050405020304" pitchFamily="18" charset="0"/>
-              <a:cs typeface="Times New Roman" panose="02020603050405020304" pitchFamily="18" charset="0"/>
-            </a:endParaRPr>
-          </a:p>
-          <a:p>
             <a:pPr marL="457200" indent="-457200">
               <a:buAutoNum type="arabicPeriod"/>
             </a:pPr>
@@ -9797,35 +9418,8 @@
                 <a:latin typeface="Times New Roman" panose="02020603050405020304" pitchFamily="18" charset="0"/>
                 <a:cs typeface="Times New Roman" panose="02020603050405020304" pitchFamily="18" charset="0"/>
               </a:rPr>
-              <a:t>Making </a:t>
-            </a:r>
-            <a:r>
-              <a:rPr lang="en-US" sz="2400" dirty="0" smtClean="0">
-                <a:solidFill>
-                  <a:srgbClr val="00B050"/>
-                </a:solidFill>
-                <a:latin typeface="Times New Roman" panose="02020603050405020304" pitchFamily="18" charset="0"/>
-                <a:cs typeface="Times New Roman" panose="02020603050405020304" pitchFamily="18" charset="0"/>
-              </a:rPr>
-              <a:t>question sets according to the difficulty </a:t>
-            </a:r>
-            <a:r>
-              <a:rPr lang="en-US" sz="2400" dirty="0" smtClean="0">
-                <a:solidFill>
-                  <a:srgbClr val="00B050"/>
-                </a:solidFill>
-                <a:latin typeface="Times New Roman" panose="02020603050405020304" pitchFamily="18" charset="0"/>
-                <a:cs typeface="Times New Roman" panose="02020603050405020304" pitchFamily="18" charset="0"/>
-              </a:rPr>
-              <a:t>level(easy , medium , hard ).</a:t>
-            </a:r>
-            <a:endParaRPr lang="en-US" sz="2400" dirty="0" smtClean="0">
-              <a:solidFill>
-                <a:srgbClr val="00B050"/>
-              </a:solidFill>
-              <a:latin typeface="Times New Roman" panose="02020603050405020304" pitchFamily="18" charset="0"/>
-              <a:cs typeface="Times New Roman" panose="02020603050405020304" pitchFamily="18" charset="0"/>
-            </a:endParaRPr>
+              <a:t>Making question sets according to the difficulty level(easy , medium , hard ).</a:t>
+            </a:r>
           </a:p>
           <a:p>
             <a:endParaRPr lang="en-US" sz="2400" dirty="0">
@@ -9868,13 +9462,6 @@
               </a:rPr>
               <a:t>3.  User give their choice and get a response.</a:t>
             </a:r>
-            <a:endParaRPr lang="en-US" sz="2400" dirty="0" smtClean="0">
-              <a:solidFill>
-                <a:srgbClr val="00B050"/>
-              </a:solidFill>
-              <a:latin typeface="Times New Roman" panose="02020603050405020304" pitchFamily="18" charset="0"/>
-              <a:cs typeface="Times New Roman" panose="02020603050405020304" pitchFamily="18" charset="0"/>
-            </a:endParaRPr>
           </a:p>
           <a:p>
             <a:endParaRPr lang="en-US" sz="2400" dirty="0">
@@ -10251,9 +9838,52 @@
           <a:chExt cx="0" cy="0"/>
         </a:xfrm>
       </p:grpSpPr>
+      <p:sp>
+        <p:nvSpPr>
+          <p:cNvPr id="5" name="TextBox 4"/>
+          <p:cNvSpPr txBox="1"/>
+          <p:nvPr/>
+        </p:nvSpPr>
+        <p:spPr>
+          <a:xfrm>
+            <a:off x="3277673" y="489397"/>
+            <a:ext cx="6735651" cy="646331"/>
+          </a:xfrm>
+          <a:prstGeom prst="rect">
+            <a:avLst/>
+          </a:prstGeom>
+          <a:noFill/>
+        </p:spPr>
+        <p:txBody>
+          <a:bodyPr wrap="square" rtlCol="0">
+            <a:spAutoFit/>
+          </a:bodyPr>
+          <a:lstStyle/>
+          <a:p>
+            <a:pPr algn="ctr"/>
+            <a:r>
+              <a:rPr lang="en-US" sz="3600" b="1" u="sng" dirty="0" smtClean="0">
+                <a:solidFill>
+                  <a:schemeClr val="accent2"/>
+                </a:solidFill>
+                <a:latin typeface="Times New Roman" panose="02020603050405020304" pitchFamily="18" charset="0"/>
+                <a:cs typeface="Times New Roman" panose="02020603050405020304" pitchFamily="18" charset="0"/>
+              </a:rPr>
+              <a:t>Output</a:t>
+            </a:r>
+            <a:endParaRPr lang="en-US" sz="3600" b="1" u="sng" dirty="0">
+              <a:solidFill>
+                <a:schemeClr val="accent2"/>
+              </a:solidFill>
+              <a:latin typeface="Times New Roman" panose="02020603050405020304" pitchFamily="18" charset="0"/>
+              <a:cs typeface="Times New Roman" panose="02020603050405020304" pitchFamily="18" charset="0"/>
+            </a:endParaRPr>
+          </a:p>
+        </p:txBody>
+      </p:sp>
       <p:pic>
         <p:nvPicPr>
-          <p:cNvPr id="4" name="Picture 3"/>
+          <p:cNvPr id="2" name="Picture 1"/>
           <p:cNvPicPr>
             <a:picLocks noChangeAspect="1"/>
           </p:cNvPicPr>
@@ -10273,57 +9903,14 @@
         </p:blipFill>
         <p:spPr>
           <a:xfrm>
-            <a:off x="1841680" y="1532586"/>
-            <a:ext cx="9607638" cy="5106926"/>
+            <a:off x="3027782" y="1356955"/>
+            <a:ext cx="7605806" cy="5251164"/>
           </a:xfrm>
           <a:prstGeom prst="rect">
             <a:avLst/>
           </a:prstGeom>
         </p:spPr>
       </p:pic>
-      <p:sp>
-        <p:nvSpPr>
-          <p:cNvPr id="5" name="TextBox 4"/>
-          <p:cNvSpPr txBox="1"/>
-          <p:nvPr/>
-        </p:nvSpPr>
-        <p:spPr>
-          <a:xfrm>
-            <a:off x="3277673" y="489397"/>
-            <a:ext cx="6735651" cy="646331"/>
-          </a:xfrm>
-          <a:prstGeom prst="rect">
-            <a:avLst/>
-          </a:prstGeom>
-          <a:noFill/>
-        </p:spPr>
-        <p:txBody>
-          <a:bodyPr wrap="square" rtlCol="0">
-            <a:spAutoFit/>
-          </a:bodyPr>
-          <a:lstStyle/>
-          <a:p>
-            <a:pPr algn="ctr"/>
-            <a:r>
-              <a:rPr lang="en-US" sz="3600" b="1" u="sng" dirty="0" smtClean="0">
-                <a:solidFill>
-                  <a:schemeClr val="accent2"/>
-                </a:solidFill>
-                <a:latin typeface="Times New Roman" panose="02020603050405020304" pitchFamily="18" charset="0"/>
-                <a:cs typeface="Times New Roman" panose="02020603050405020304" pitchFamily="18" charset="0"/>
-              </a:rPr>
-              <a:t>Output</a:t>
-            </a:r>
-            <a:endParaRPr lang="en-US" sz="3600" b="1" u="sng" dirty="0">
-              <a:solidFill>
-                <a:schemeClr val="accent2"/>
-              </a:solidFill>
-              <a:latin typeface="Times New Roman" panose="02020603050405020304" pitchFamily="18" charset="0"/>
-              <a:cs typeface="Times New Roman" panose="02020603050405020304" pitchFamily="18" charset="0"/>
-            </a:endParaRPr>
-          </a:p>
-        </p:txBody>
-      </p:sp>
     </p:spTree>
     <p:extLst>
       <p:ext uri="{BB962C8B-B14F-4D97-AF65-F5344CB8AC3E}">
